--- a/figures/method-overview.pptx
+++ b/figures/method-overview.pptx
@@ -243,7 +243,7 @@
           <a:p>
             <a:fld id="{C12B8A70-47B6-499E-A6F0-CF8EA665885A}" type="datetimeFigureOut">
               <a:rPr lang="zh-CN" altLang="en-US" smtClean="0"/>
-              <a:t>2025/9/11</a:t>
+              <a:t>2025/9/14</a:t>
             </a:fld>
             <a:endParaRPr lang="zh-CN" altLang="en-US"/>
           </a:p>
@@ -413,7 +413,7 @@
           <a:p>
             <a:fld id="{C12B8A70-47B6-499E-A6F0-CF8EA665885A}" type="datetimeFigureOut">
               <a:rPr lang="zh-CN" altLang="en-US" smtClean="0"/>
-              <a:t>2025/9/11</a:t>
+              <a:t>2025/9/14</a:t>
             </a:fld>
             <a:endParaRPr lang="zh-CN" altLang="en-US"/>
           </a:p>
@@ -593,7 +593,7 @@
           <a:p>
             <a:fld id="{C12B8A70-47B6-499E-A6F0-CF8EA665885A}" type="datetimeFigureOut">
               <a:rPr lang="zh-CN" altLang="en-US" smtClean="0"/>
-              <a:t>2025/9/11</a:t>
+              <a:t>2025/9/14</a:t>
             </a:fld>
             <a:endParaRPr lang="zh-CN" altLang="en-US"/>
           </a:p>
@@ -763,7 +763,7 @@
           <a:p>
             <a:fld id="{C12B8A70-47B6-499E-A6F0-CF8EA665885A}" type="datetimeFigureOut">
               <a:rPr lang="zh-CN" altLang="en-US" smtClean="0"/>
-              <a:t>2025/9/11</a:t>
+              <a:t>2025/9/14</a:t>
             </a:fld>
             <a:endParaRPr lang="zh-CN" altLang="en-US"/>
           </a:p>
@@ -1009,7 +1009,7 @@
           <a:p>
             <a:fld id="{C12B8A70-47B6-499E-A6F0-CF8EA665885A}" type="datetimeFigureOut">
               <a:rPr lang="zh-CN" altLang="en-US" smtClean="0"/>
-              <a:t>2025/9/11</a:t>
+              <a:t>2025/9/14</a:t>
             </a:fld>
             <a:endParaRPr lang="zh-CN" altLang="en-US"/>
           </a:p>
@@ -1241,7 +1241,7 @@
           <a:p>
             <a:fld id="{C12B8A70-47B6-499E-A6F0-CF8EA665885A}" type="datetimeFigureOut">
               <a:rPr lang="zh-CN" altLang="en-US" smtClean="0"/>
-              <a:t>2025/9/11</a:t>
+              <a:t>2025/9/14</a:t>
             </a:fld>
             <a:endParaRPr lang="zh-CN" altLang="en-US"/>
           </a:p>
@@ -1608,7 +1608,7 @@
           <a:p>
             <a:fld id="{C12B8A70-47B6-499E-A6F0-CF8EA665885A}" type="datetimeFigureOut">
               <a:rPr lang="zh-CN" altLang="en-US" smtClean="0"/>
-              <a:t>2025/9/11</a:t>
+              <a:t>2025/9/14</a:t>
             </a:fld>
             <a:endParaRPr lang="zh-CN" altLang="en-US"/>
           </a:p>
@@ -1726,7 +1726,7 @@
           <a:p>
             <a:fld id="{C12B8A70-47B6-499E-A6F0-CF8EA665885A}" type="datetimeFigureOut">
               <a:rPr lang="zh-CN" altLang="en-US" smtClean="0"/>
-              <a:t>2025/9/11</a:t>
+              <a:t>2025/9/14</a:t>
             </a:fld>
             <a:endParaRPr lang="zh-CN" altLang="en-US"/>
           </a:p>
@@ -1821,7 +1821,7 @@
           <a:p>
             <a:fld id="{C12B8A70-47B6-499E-A6F0-CF8EA665885A}" type="datetimeFigureOut">
               <a:rPr lang="zh-CN" altLang="en-US" smtClean="0"/>
-              <a:t>2025/9/11</a:t>
+              <a:t>2025/9/14</a:t>
             </a:fld>
             <a:endParaRPr lang="zh-CN" altLang="en-US"/>
           </a:p>
@@ -2098,7 +2098,7 @@
           <a:p>
             <a:fld id="{C12B8A70-47B6-499E-A6F0-CF8EA665885A}" type="datetimeFigureOut">
               <a:rPr lang="zh-CN" altLang="en-US" smtClean="0"/>
-              <a:t>2025/9/11</a:t>
+              <a:t>2025/9/14</a:t>
             </a:fld>
             <a:endParaRPr lang="zh-CN" altLang="en-US"/>
           </a:p>
@@ -2355,7 +2355,7 @@
           <a:p>
             <a:fld id="{C12B8A70-47B6-499E-A6F0-CF8EA665885A}" type="datetimeFigureOut">
               <a:rPr lang="zh-CN" altLang="en-US" smtClean="0"/>
-              <a:t>2025/9/11</a:t>
+              <a:t>2025/9/14</a:t>
             </a:fld>
             <a:endParaRPr lang="zh-CN" altLang="en-US"/>
           </a:p>
@@ -2568,7 +2568,7 @@
           <a:p>
             <a:fld id="{C12B8A70-47B6-499E-A6F0-CF8EA665885A}" type="datetimeFigureOut">
               <a:rPr lang="zh-CN" altLang="en-US" smtClean="0"/>
-              <a:t>2025/9/11</a:t>
+              <a:t>2025/9/14</a:t>
             </a:fld>
             <a:endParaRPr lang="zh-CN" altLang="en-US"/>
           </a:p>
@@ -2973,12 +2973,129 @@
           <a:chExt cx="0" cy="0"/>
         </a:xfrm>
       </p:grpSpPr>
+      <p:pic>
+        <p:nvPicPr>
+          <p:cNvPr id="5" name="Picture 4">
+            <a:extLst>
+              <a:ext uri="{FF2B5EF4-FFF2-40B4-BE49-F238E27FC236}">
+                <a16:creationId xmlns:a16="http://schemas.microsoft.com/office/drawing/2014/main" id="{0B4B1674-035D-0571-18D1-D48B9A1F81FC}"/>
+              </a:ext>
+            </a:extLst>
+          </p:cNvPr>
+          <p:cNvPicPr>
+            <a:picLocks noChangeAspect="1"/>
+          </p:cNvPicPr>
+          <p:nvPr/>
+        </p:nvPicPr>
+        <p:blipFill>
+          <a:blip r:embed="rId2"/>
+          <a:stretch>
+            <a:fillRect/>
+          </a:stretch>
+        </p:blipFill>
+        <p:spPr>
+          <a:xfrm>
+            <a:off x="492773" y="483048"/>
+            <a:ext cx="489885" cy="489885"/>
+          </a:xfrm>
+          <a:prstGeom prst="rect">
+            <a:avLst/>
+          </a:prstGeom>
+        </p:spPr>
+      </p:pic>
+      <p:sp>
+        <p:nvSpPr>
+          <p:cNvPr id="2" name="TextBox 1">
+            <a:extLst>
+              <a:ext uri="{FF2B5EF4-FFF2-40B4-BE49-F238E27FC236}">
+                <a16:creationId xmlns:a16="http://schemas.microsoft.com/office/drawing/2014/main" id="{24CDADA3-EBAE-BAE2-8B33-81AE609ECEC7}"/>
+              </a:ext>
+            </a:extLst>
+          </p:cNvPr>
+          <p:cNvSpPr txBox="1"/>
+          <p:nvPr/>
+        </p:nvSpPr>
+        <p:spPr>
+          <a:xfrm>
+            <a:off x="158614" y="971491"/>
+            <a:ext cx="1158203" cy="307777"/>
+          </a:xfrm>
+          <a:prstGeom prst="rect">
+            <a:avLst/>
+          </a:prstGeom>
+          <a:noFill/>
+        </p:spPr>
+        <p:txBody>
+          <a:bodyPr wrap="square" rtlCol="0">
+            <a:spAutoFit/>
+          </a:bodyPr>
+          <a:lstStyle/>
+          <a:p>
+            <a:pPr algn="ctr"/>
+            <a:r>
+              <a:rPr lang="en-US" altLang="zh-CN" sz="1400" dirty="0">
+                <a:latin typeface="Linux Libertine" panose="02000503000000000000" pitchFamily="2" charset="0"/>
+                <a:ea typeface="Linux Libertine" panose="02000503000000000000" pitchFamily="2" charset="0"/>
+                <a:cs typeface="Linux Libertine" panose="02000503000000000000" pitchFamily="2" charset="0"/>
+              </a:rPr>
+              <a:t>Normal Logs</a:t>
+            </a:r>
+            <a:endParaRPr lang="zh-CN" altLang="en-US" sz="1400" dirty="0">
+              <a:latin typeface="Linux Libertine" panose="02000503000000000000" pitchFamily="2" charset="0"/>
+              <a:cs typeface="Linux Libertine" panose="02000503000000000000" pitchFamily="2" charset="0"/>
+            </a:endParaRPr>
+          </a:p>
+        </p:txBody>
+      </p:sp>
+      <p:sp>
+        <p:nvSpPr>
+          <p:cNvPr id="6" name="TextBox 5">
+            <a:extLst>
+              <a:ext uri="{FF2B5EF4-FFF2-40B4-BE49-F238E27FC236}">
+                <a16:creationId xmlns:a16="http://schemas.microsoft.com/office/drawing/2014/main" id="{7A220591-FD08-2B3D-AF19-797B2E12F26B}"/>
+              </a:ext>
+            </a:extLst>
+          </p:cNvPr>
+          <p:cNvSpPr txBox="1"/>
+          <p:nvPr/>
+        </p:nvSpPr>
+        <p:spPr>
+          <a:xfrm>
+            <a:off x="3199662" y="2195617"/>
+            <a:ext cx="1313180" cy="307777"/>
+          </a:xfrm>
+          <a:prstGeom prst="rect">
+            <a:avLst/>
+          </a:prstGeom>
+          <a:noFill/>
+        </p:spPr>
+        <p:txBody>
+          <a:bodyPr wrap="none" rtlCol="0">
+            <a:spAutoFit/>
+          </a:bodyPr>
+          <a:lstStyle/>
+          <a:p>
+            <a:r>
+              <a:rPr lang="en-US" altLang="zh-CN" sz="1400" dirty="0">
+                <a:latin typeface="Linux Libertine" panose="02000503000000000000" pitchFamily="2" charset="0"/>
+                <a:ea typeface="Linux Libertine" panose="02000503000000000000" pitchFamily="2" charset="0"/>
+                <a:cs typeface="Linux Libertine" panose="02000503000000000000" pitchFamily="2" charset="0"/>
+              </a:rPr>
+              <a:t>Abnormal Logs</a:t>
+            </a:r>
+            <a:endParaRPr lang="zh-CN" altLang="en-US" sz="1400" dirty="0">
+              <a:latin typeface="Linux Libertine" panose="02000503000000000000" pitchFamily="2" charset="0"/>
+              <a:cs typeface="Linux Libertine" panose="02000503000000000000" pitchFamily="2" charset="0"/>
+            </a:endParaRPr>
+          </a:p>
+        </p:txBody>
+      </p:sp>
       <p:grpSp>
         <p:nvGrpSpPr>
-          <p:cNvPr id="1056" name="Group 1055">
+          <p:cNvPr id="7" name="Group 6">
             <a:extLst>
               <a:ext uri="{FF2B5EF4-FFF2-40B4-BE49-F238E27FC236}">
-                <a16:creationId xmlns:a16="http://schemas.microsoft.com/office/drawing/2014/main" id="{BB4E28B1-971B-9363-4036-76383A916887}"/>
+                <a16:creationId xmlns:a16="http://schemas.microsoft.com/office/drawing/2014/main" id="{CCDD7971-755F-85BE-009E-C72292C37A87}"/>
               </a:ext>
             </a:extLst>
           </p:cNvPr>
@@ -2987,18 +3104,18 @@
         </p:nvGrpSpPr>
         <p:grpSpPr>
           <a:xfrm>
-            <a:off x="158614" y="139706"/>
-            <a:ext cx="7602821" cy="2600325"/>
-            <a:chOff x="914672" y="1333500"/>
-            <a:chExt cx="7602821" cy="2600325"/>
+            <a:off x="3611310" y="1633365"/>
+            <a:ext cx="489885" cy="583353"/>
+            <a:chOff x="6186858" y="1380999"/>
+            <a:chExt cx="489885" cy="583353"/>
           </a:xfrm>
         </p:grpSpPr>
         <p:pic>
           <p:nvPicPr>
-            <p:cNvPr id="5" name="Picture 4">
+            <p:cNvPr id="4" name="Picture 3">
               <a:extLst>
                 <a:ext uri="{FF2B5EF4-FFF2-40B4-BE49-F238E27FC236}">
-                  <a16:creationId xmlns:a16="http://schemas.microsoft.com/office/drawing/2014/main" id="{0B4B1674-035D-0571-18D1-D48B9A1F81FC}"/>
+                  <a16:creationId xmlns:a16="http://schemas.microsoft.com/office/drawing/2014/main" id="{B572673D-5117-B299-03F8-B81CFBE166B6}"/>
                 </a:ext>
               </a:extLst>
             </p:cNvPr>
@@ -3015,7 +3132,7 @@
           </p:blipFill>
           <p:spPr>
             <a:xfrm>
-              <a:off x="1248831" y="1676842"/>
+              <a:off x="6186858" y="1474467"/>
               <a:ext cx="489885" cy="489885"/>
             </a:xfrm>
             <a:prstGeom prst="rect">
@@ -3023,1288 +3140,1179 @@
             </a:prstGeom>
           </p:spPr>
         </p:pic>
-        <p:sp>
-          <p:nvSpPr>
-            <p:cNvPr id="2" name="TextBox 1">
+        <p:pic>
+          <p:nvPicPr>
+            <p:cNvPr id="1028" name="Picture 4" descr="Bomb - Free weapons icons">
               <a:extLst>
                 <a:ext uri="{FF2B5EF4-FFF2-40B4-BE49-F238E27FC236}">
-                  <a16:creationId xmlns:a16="http://schemas.microsoft.com/office/drawing/2014/main" id="{24CDADA3-EBAE-BAE2-8B33-81AE609ECEC7}"/>
+                  <a16:creationId xmlns:a16="http://schemas.microsoft.com/office/drawing/2014/main" id="{871BE55A-A87C-DA9A-CA84-569A7753AF5F}"/>
                 </a:ext>
               </a:extLst>
             </p:cNvPr>
-            <p:cNvSpPr txBox="1"/>
+            <p:cNvPicPr>
+              <a:picLocks noChangeAspect="1" noChangeArrowheads="1"/>
+            </p:cNvPicPr>
             <p:nvPr/>
-          </p:nvSpPr>
-          <p:spPr>
+          </p:nvPicPr>
+          <p:blipFill>
+            <a:blip r:embed="rId3">
+              <a:extLst>
+                <a:ext uri="{28A0092B-C50C-407E-A947-70E740481C1C}">
+                  <a14:useLocalDpi xmlns:a14="http://schemas.microsoft.com/office/drawing/2010/main" val="0"/>
+                </a:ext>
+              </a:extLst>
+            </a:blip>
+            <a:srcRect/>
+            <a:stretch>
+              <a:fillRect/>
+            </a:stretch>
+          </p:blipFill>
+          <p:spPr bwMode="auto">
             <a:xfrm>
-              <a:off x="914672" y="2165285"/>
-              <a:ext cx="1158203" cy="307777"/>
+              <a:off x="6201047" y="1380999"/>
+              <a:ext cx="218705" cy="218705"/>
             </a:xfrm>
             <a:prstGeom prst="rect">
               <a:avLst/>
             </a:prstGeom>
             <a:noFill/>
+            <a:extLst>
+              <a:ext uri="{909E8E84-426E-40DD-AFC4-6F175D3DCCD1}">
+                <a14:hiddenFill xmlns:a14="http://schemas.microsoft.com/office/drawing/2010/main">
+                  <a:solidFill>
+                    <a:srgbClr val="FFFFFF"/>
+                  </a:solidFill>
+                </a14:hiddenFill>
+              </a:ext>
+            </a:extLst>
           </p:spPr>
-          <p:txBody>
-            <a:bodyPr wrap="square" rtlCol="0">
-              <a:spAutoFit/>
-            </a:bodyPr>
-            <a:lstStyle/>
-            <a:p>
-              <a:pPr algn="ctr"/>
-              <a:r>
-                <a:rPr lang="en-US" altLang="zh-CN" sz="1400" dirty="0">
-                  <a:latin typeface="Linux Libertine" panose="02000503000000000000" pitchFamily="2" charset="0"/>
-                  <a:ea typeface="Linux Libertine" panose="02000503000000000000" pitchFamily="2" charset="0"/>
-                  <a:cs typeface="Linux Libertine" panose="02000503000000000000" pitchFamily="2" charset="0"/>
-                </a:rPr>
-                <a:t>Normal Logs</a:t>
-              </a:r>
-              <a:endParaRPr lang="zh-CN" altLang="en-US" sz="1400" dirty="0">
-                <a:latin typeface="Linux Libertine" panose="02000503000000000000" pitchFamily="2" charset="0"/>
-                <a:cs typeface="Linux Libertine" panose="02000503000000000000" pitchFamily="2" charset="0"/>
-              </a:endParaRPr>
-            </a:p>
-          </p:txBody>
-        </p:sp>
-        <p:sp>
-          <p:nvSpPr>
-            <p:cNvPr id="6" name="TextBox 5">
-              <a:extLst>
-                <a:ext uri="{FF2B5EF4-FFF2-40B4-BE49-F238E27FC236}">
-                  <a16:creationId xmlns:a16="http://schemas.microsoft.com/office/drawing/2014/main" id="{7A220591-FD08-2B3D-AF19-797B2E12F26B}"/>
-                </a:ext>
-              </a:extLst>
-            </p:cNvPr>
-            <p:cNvSpPr txBox="1"/>
-            <p:nvPr/>
-          </p:nvSpPr>
-          <p:spPr>
-            <a:xfrm>
-              <a:off x="3955720" y="3389411"/>
-              <a:ext cx="1313180" cy="307777"/>
-            </a:xfrm>
-            <a:prstGeom prst="rect">
-              <a:avLst/>
-            </a:prstGeom>
-            <a:noFill/>
-          </p:spPr>
-          <p:txBody>
-            <a:bodyPr wrap="none" rtlCol="0">
-              <a:spAutoFit/>
-            </a:bodyPr>
-            <a:lstStyle/>
-            <a:p>
-              <a:r>
-                <a:rPr lang="en-US" altLang="zh-CN" sz="1400" dirty="0">
-                  <a:latin typeface="Linux Libertine" panose="02000503000000000000" pitchFamily="2" charset="0"/>
-                  <a:ea typeface="Linux Libertine" panose="02000503000000000000" pitchFamily="2" charset="0"/>
-                  <a:cs typeface="Linux Libertine" panose="02000503000000000000" pitchFamily="2" charset="0"/>
-                </a:rPr>
-                <a:t>Abnormal Logs</a:t>
-              </a:r>
-              <a:endParaRPr lang="zh-CN" altLang="en-US" sz="1400" dirty="0">
-                <a:latin typeface="Linux Libertine" panose="02000503000000000000" pitchFamily="2" charset="0"/>
-                <a:cs typeface="Linux Libertine" panose="02000503000000000000" pitchFamily="2" charset="0"/>
-              </a:endParaRPr>
-            </a:p>
-          </p:txBody>
-        </p:sp>
-        <p:grpSp>
-          <p:nvGrpSpPr>
-            <p:cNvPr id="7" name="Group 6">
-              <a:extLst>
-                <a:ext uri="{FF2B5EF4-FFF2-40B4-BE49-F238E27FC236}">
-                  <a16:creationId xmlns:a16="http://schemas.microsoft.com/office/drawing/2014/main" id="{CCDD7971-755F-85BE-009E-C72292C37A87}"/>
-                </a:ext>
-              </a:extLst>
-            </p:cNvPr>
-            <p:cNvGrpSpPr/>
-            <p:nvPr/>
-          </p:nvGrpSpPr>
-          <p:grpSpPr>
-            <a:xfrm>
-              <a:off x="4367368" y="2827159"/>
-              <a:ext cx="489885" cy="583353"/>
-              <a:chOff x="6186858" y="1380999"/>
-              <a:chExt cx="489885" cy="583353"/>
-            </a:xfrm>
-          </p:grpSpPr>
-          <p:pic>
-            <p:nvPicPr>
-              <p:cNvPr id="4" name="Picture 3">
-                <a:extLst>
-                  <a:ext uri="{FF2B5EF4-FFF2-40B4-BE49-F238E27FC236}">
-                    <a16:creationId xmlns:a16="http://schemas.microsoft.com/office/drawing/2014/main" id="{B572673D-5117-B299-03F8-B81CFBE166B6}"/>
-                  </a:ext>
-                </a:extLst>
-              </p:cNvPr>
-              <p:cNvPicPr>
-                <a:picLocks noChangeAspect="1"/>
-              </p:cNvPicPr>
-              <p:nvPr/>
-            </p:nvPicPr>
-            <p:blipFill>
-              <a:blip r:embed="rId2"/>
-              <a:stretch>
-                <a:fillRect/>
-              </a:stretch>
-            </p:blipFill>
-            <p:spPr>
-              <a:xfrm>
-                <a:off x="6186858" y="1474467"/>
-                <a:ext cx="489885" cy="489885"/>
-              </a:xfrm>
-              <a:prstGeom prst="rect">
-                <a:avLst/>
-              </a:prstGeom>
-            </p:spPr>
-          </p:pic>
-          <p:pic>
-            <p:nvPicPr>
-              <p:cNvPr id="1028" name="Picture 4" descr="Bomb - Free weapons icons">
-                <a:extLst>
-                  <a:ext uri="{FF2B5EF4-FFF2-40B4-BE49-F238E27FC236}">
-                    <a16:creationId xmlns:a16="http://schemas.microsoft.com/office/drawing/2014/main" id="{871BE55A-A87C-DA9A-CA84-569A7753AF5F}"/>
-                  </a:ext>
-                </a:extLst>
-              </p:cNvPr>
-              <p:cNvPicPr>
-                <a:picLocks noChangeAspect="1" noChangeArrowheads="1"/>
-              </p:cNvPicPr>
-              <p:nvPr/>
-            </p:nvPicPr>
-            <p:blipFill>
-              <a:blip r:embed="rId3">
-                <a:extLst>
-                  <a:ext uri="{28A0092B-C50C-407E-A947-70E740481C1C}">
-                    <a14:useLocalDpi xmlns:a14="http://schemas.microsoft.com/office/drawing/2010/main" val="0"/>
-                  </a:ext>
-                </a:extLst>
-              </a:blip>
-              <a:srcRect/>
-              <a:stretch>
-                <a:fillRect/>
-              </a:stretch>
-            </p:blipFill>
-            <p:spPr bwMode="auto">
-              <a:xfrm>
-                <a:off x="6201047" y="1380999"/>
-                <a:ext cx="218705" cy="218705"/>
-              </a:xfrm>
-              <a:prstGeom prst="rect">
-                <a:avLst/>
-              </a:prstGeom>
-              <a:noFill/>
-              <a:extLst>
-                <a:ext uri="{909E8E84-426E-40DD-AFC4-6F175D3DCCD1}">
-                  <a14:hiddenFill xmlns:a14="http://schemas.microsoft.com/office/drawing/2010/main">
-                    <a:solidFill>
-                      <a:srgbClr val="FFFFFF"/>
-                    </a:solidFill>
-                  </a14:hiddenFill>
-                </a:ext>
-              </a:extLst>
-            </p:spPr>
-          </p:pic>
-        </p:grpSp>
-        <p:sp>
-          <p:nvSpPr>
-            <p:cNvPr id="8" name="Rectangle: Rounded Corners 7">
-              <a:extLst>
-                <a:ext uri="{FF2B5EF4-FFF2-40B4-BE49-F238E27FC236}">
-                  <a16:creationId xmlns:a16="http://schemas.microsoft.com/office/drawing/2014/main" id="{BDAB1857-F8DC-661E-2B81-3EA193294F77}"/>
-                </a:ext>
-              </a:extLst>
-            </p:cNvPr>
-            <p:cNvSpPr/>
-            <p:nvPr/>
-          </p:nvSpPr>
-          <p:spPr>
-            <a:xfrm>
-              <a:off x="2462123" y="2952462"/>
-              <a:ext cx="1276147" cy="590838"/>
-            </a:xfrm>
-            <a:prstGeom prst="roundRect">
-              <a:avLst>
-                <a:gd name="adj" fmla="val 50000"/>
-              </a:avLst>
-            </a:prstGeom>
-            <a:noFill/>
-            <a:ln>
-              <a:solidFill>
-                <a:schemeClr val="tx1"/>
-              </a:solidFill>
-            </a:ln>
-          </p:spPr>
-          <p:style>
-            <a:lnRef idx="2">
-              <a:schemeClr val="accent1">
-                <a:shade val="15000"/>
-              </a:schemeClr>
-            </a:lnRef>
-            <a:fillRef idx="1">
-              <a:schemeClr val="accent1"/>
-            </a:fillRef>
-            <a:effectRef idx="0">
-              <a:schemeClr val="accent1"/>
-            </a:effectRef>
-            <a:fontRef idx="minor">
-              <a:schemeClr val="lt1"/>
-            </a:fontRef>
-          </p:style>
-          <p:txBody>
-            <a:bodyPr rtlCol="0" anchor="ctr"/>
-            <a:lstStyle/>
-            <a:p>
-              <a:pPr algn="ctr"/>
-              <a:r>
-                <a:rPr lang="en-US" altLang="zh-CN" sz="1400" dirty="0">
-                  <a:solidFill>
-                    <a:schemeClr val="tx1"/>
-                  </a:solidFill>
-                  <a:latin typeface="Linux Libertine" panose="02000503000000000000" pitchFamily="2" charset="0"/>
-                  <a:ea typeface="Linux Libertine" panose="02000503000000000000" pitchFamily="2" charset="0"/>
-                  <a:cs typeface="Linux Libertine" panose="02000503000000000000" pitchFamily="2" charset="0"/>
-                </a:rPr>
-                <a:t>Attack Generator</a:t>
-              </a:r>
-              <a:endParaRPr lang="zh-CN" altLang="en-US" sz="1400" dirty="0">
+        </p:pic>
+      </p:grpSp>
+      <p:sp>
+        <p:nvSpPr>
+          <p:cNvPr id="8" name="Rectangle: Rounded Corners 7">
+            <a:extLst>
+              <a:ext uri="{FF2B5EF4-FFF2-40B4-BE49-F238E27FC236}">
+                <a16:creationId xmlns:a16="http://schemas.microsoft.com/office/drawing/2014/main" id="{BDAB1857-F8DC-661E-2B81-3EA193294F77}"/>
+              </a:ext>
+            </a:extLst>
+          </p:cNvPr>
+          <p:cNvSpPr/>
+          <p:nvPr/>
+        </p:nvSpPr>
+        <p:spPr>
+          <a:xfrm>
+            <a:off x="1706065" y="1687547"/>
+            <a:ext cx="1276147" cy="696113"/>
+          </a:xfrm>
+          <a:prstGeom prst="roundRect">
+            <a:avLst>
+              <a:gd name="adj" fmla="val 50000"/>
+            </a:avLst>
+          </a:prstGeom>
+          <a:noFill/>
+          <a:ln>
+            <a:solidFill>
+              <a:schemeClr val="tx1"/>
+            </a:solidFill>
+          </a:ln>
+        </p:spPr>
+        <p:style>
+          <a:lnRef idx="2">
+            <a:schemeClr val="accent1">
+              <a:shade val="15000"/>
+            </a:schemeClr>
+          </a:lnRef>
+          <a:fillRef idx="1">
+            <a:schemeClr val="accent1"/>
+          </a:fillRef>
+          <a:effectRef idx="0">
+            <a:schemeClr val="accent1"/>
+          </a:effectRef>
+          <a:fontRef idx="minor">
+            <a:schemeClr val="lt1"/>
+          </a:fontRef>
+        </p:style>
+        <p:txBody>
+          <a:bodyPr rtlCol="0" anchor="ctr"/>
+          <a:lstStyle/>
+          <a:p>
+            <a:pPr algn="ctr"/>
+            <a:r>
+              <a:rPr lang="en-US" altLang="zh-CN" sz="1400" dirty="0">
                 <a:solidFill>
                   <a:schemeClr val="tx1"/>
                 </a:solidFill>
                 <a:latin typeface="Linux Libertine" panose="02000503000000000000" pitchFamily="2" charset="0"/>
+                <a:ea typeface="Linux Libertine" panose="02000503000000000000" pitchFamily="2" charset="0"/>
                 <a:cs typeface="Linux Libertine" panose="02000503000000000000" pitchFamily="2" charset="0"/>
-              </a:endParaRPr>
-            </a:p>
-          </p:txBody>
-        </p:sp>
-        <p:pic>
-          <p:nvPicPr>
-            <p:cNvPr id="12" name="Picture 11">
-              <a:extLst>
-                <a:ext uri="{FF2B5EF4-FFF2-40B4-BE49-F238E27FC236}">
-                  <a16:creationId xmlns:a16="http://schemas.microsoft.com/office/drawing/2014/main" id="{91B49627-0FE0-AC87-21E0-BB04D46A478C}"/>
-                </a:ext>
-              </a:extLst>
-            </p:cNvPr>
-            <p:cNvPicPr>
-              <a:picLocks noChangeAspect="1"/>
-            </p:cNvPicPr>
-            <p:nvPr/>
-          </p:nvPicPr>
-          <p:blipFill>
-            <a:blip r:embed="rId4"/>
-            <a:stretch>
-              <a:fillRect/>
-            </a:stretch>
-          </p:blipFill>
-          <p:spPr>
-            <a:xfrm>
-              <a:off x="4299350" y="1620614"/>
-              <a:ext cx="625921" cy="625921"/>
-            </a:xfrm>
-            <a:prstGeom prst="rect">
-              <a:avLst/>
-            </a:prstGeom>
-          </p:spPr>
-        </p:pic>
-        <p:sp>
-          <p:nvSpPr>
-            <p:cNvPr id="13" name="Rectangle: Rounded Corners 12">
-              <a:extLst>
-                <a:ext uri="{FF2B5EF4-FFF2-40B4-BE49-F238E27FC236}">
-                  <a16:creationId xmlns:a16="http://schemas.microsoft.com/office/drawing/2014/main" id="{16DCA9D5-E6EB-3B47-4873-DB1A23748825}"/>
-                </a:ext>
-              </a:extLst>
-            </p:cNvPr>
-            <p:cNvSpPr/>
-            <p:nvPr/>
-          </p:nvSpPr>
-          <p:spPr>
-            <a:xfrm>
-              <a:off x="2462123" y="1676842"/>
-              <a:ext cx="1276147" cy="590838"/>
-            </a:xfrm>
-            <a:prstGeom prst="roundRect">
-              <a:avLst>
-                <a:gd name="adj" fmla="val 50000"/>
-              </a:avLst>
-            </a:prstGeom>
-            <a:noFill/>
-            <a:ln>
-              <a:solidFill>
-                <a:schemeClr val="tx1"/>
-              </a:solidFill>
-            </a:ln>
-          </p:spPr>
-          <p:style>
-            <a:lnRef idx="2">
-              <a:schemeClr val="accent1">
-                <a:shade val="15000"/>
-              </a:schemeClr>
-            </a:lnRef>
-            <a:fillRef idx="1">
-              <a:schemeClr val="accent1"/>
-            </a:fillRef>
-            <a:effectRef idx="0">
-              <a:schemeClr val="accent1"/>
-            </a:effectRef>
-            <a:fontRef idx="minor">
-              <a:schemeClr val="lt1"/>
-            </a:fontRef>
-          </p:style>
-          <p:txBody>
-            <a:bodyPr rtlCol="0" anchor="ctr"/>
-            <a:lstStyle/>
-            <a:p>
-              <a:pPr algn="ctr"/>
-              <a:r>
-                <a:rPr lang="en-US" altLang="zh-CN" sz="1400" dirty="0">
-                  <a:solidFill>
-                    <a:schemeClr val="tx1"/>
-                  </a:solidFill>
-                  <a:latin typeface="Linux Libertine" panose="02000503000000000000" pitchFamily="2" charset="0"/>
-                  <a:ea typeface="Linux Libertine" panose="02000503000000000000" pitchFamily="2" charset="0"/>
-                  <a:cs typeface="Linux Libertine" panose="02000503000000000000" pitchFamily="2" charset="0"/>
-                </a:rPr>
-                <a:t>Constraint Learning</a:t>
-              </a:r>
-              <a:endParaRPr lang="zh-CN" altLang="en-US" sz="1400" dirty="0">
+              </a:rPr>
+              <a:t>Attack Generator</a:t>
+            </a:r>
+          </a:p>
+          <a:p>
+            <a:pPr algn="ctr"/>
+            <a:r>
+              <a:rPr lang="en-US" altLang="zh-CN" sz="1400" dirty="0">
                 <a:solidFill>
                   <a:schemeClr val="tx1"/>
                 </a:solidFill>
                 <a:latin typeface="Linux Libertine" panose="02000503000000000000" pitchFamily="2" charset="0"/>
+                <a:ea typeface="Linux Libertine" panose="02000503000000000000" pitchFamily="2" charset="0"/>
                 <a:cs typeface="Linux Libertine" panose="02000503000000000000" pitchFamily="2" charset="0"/>
-              </a:endParaRPr>
-            </a:p>
-          </p:txBody>
-        </p:sp>
-        <p:sp>
-          <p:nvSpPr>
-            <p:cNvPr id="14" name="TextBox 13">
-              <a:extLst>
-                <a:ext uri="{FF2B5EF4-FFF2-40B4-BE49-F238E27FC236}">
-                  <a16:creationId xmlns:a16="http://schemas.microsoft.com/office/drawing/2014/main" id="{9B601573-B813-349E-9E17-FB382F8AF294}"/>
-                </a:ext>
-              </a:extLst>
-            </p:cNvPr>
-            <p:cNvSpPr txBox="1"/>
-            <p:nvPr/>
-          </p:nvSpPr>
-          <p:spPr>
-            <a:xfrm>
-              <a:off x="3934881" y="2211452"/>
-              <a:ext cx="1354858" cy="307777"/>
-            </a:xfrm>
-            <a:prstGeom prst="rect">
-              <a:avLst/>
-            </a:prstGeom>
-            <a:noFill/>
-          </p:spPr>
-          <p:txBody>
-            <a:bodyPr wrap="none" rtlCol="0">
-              <a:spAutoFit/>
-            </a:bodyPr>
-            <a:lstStyle/>
-            <a:p>
-              <a:pPr algn="ctr"/>
-              <a:r>
-                <a:rPr lang="en-US" altLang="zh-CN" sz="1400" dirty="0">
-                  <a:latin typeface="Linux Libertine" panose="02000503000000000000" pitchFamily="2" charset="0"/>
-                  <a:ea typeface="Linux Libertine" panose="02000503000000000000" pitchFamily="2" charset="0"/>
-                  <a:cs typeface="Linux Libertine" panose="02000503000000000000" pitchFamily="2" charset="0"/>
-                </a:rPr>
-                <a:t>Log Constraints</a:t>
-              </a:r>
-              <a:endParaRPr lang="zh-CN" altLang="en-US" sz="1400" dirty="0">
-                <a:latin typeface="Linux Libertine" panose="02000503000000000000" pitchFamily="2" charset="0"/>
-                <a:cs typeface="Linux Libertine" panose="02000503000000000000" pitchFamily="2" charset="0"/>
-              </a:endParaRPr>
-            </a:p>
-          </p:txBody>
-        </p:sp>
-        <p:sp>
-          <p:nvSpPr>
-            <p:cNvPr id="15" name="Rectangle: Rounded Corners 14">
-              <a:extLst>
-                <a:ext uri="{FF2B5EF4-FFF2-40B4-BE49-F238E27FC236}">
-                  <a16:creationId xmlns:a16="http://schemas.microsoft.com/office/drawing/2014/main" id="{C3968C4B-DA08-5CDA-800B-FCF809BEA163}"/>
-                </a:ext>
-              </a:extLst>
-            </p:cNvPr>
-            <p:cNvSpPr/>
-            <p:nvPr/>
-          </p:nvSpPr>
-          <p:spPr>
-            <a:xfrm>
-              <a:off x="7241346" y="2929931"/>
-              <a:ext cx="1276147" cy="590838"/>
-            </a:xfrm>
-            <a:prstGeom prst="roundRect">
-              <a:avLst>
-                <a:gd name="adj" fmla="val 50000"/>
-              </a:avLst>
-            </a:prstGeom>
-            <a:noFill/>
-            <a:ln>
+              </a:rPr>
+              <a:t>Agent</a:t>
+            </a:r>
+            <a:endParaRPr lang="zh-CN" altLang="en-US" sz="1400" dirty="0">
               <a:solidFill>
                 <a:schemeClr val="tx1"/>
               </a:solidFill>
-            </a:ln>
-          </p:spPr>
-          <p:style>
-            <a:lnRef idx="2">
-              <a:schemeClr val="accent1">
-                <a:shade val="15000"/>
-              </a:schemeClr>
-            </a:lnRef>
-            <a:fillRef idx="1">
-              <a:schemeClr val="accent1"/>
-            </a:fillRef>
-            <a:effectRef idx="0">
-              <a:schemeClr val="accent1"/>
-            </a:effectRef>
-            <a:fontRef idx="minor">
-              <a:schemeClr val="lt1"/>
-            </a:fontRef>
-          </p:style>
-          <p:txBody>
-            <a:bodyPr rtlCol="0" anchor="ctr"/>
-            <a:lstStyle/>
-            <a:p>
-              <a:pPr algn="ctr"/>
-              <a:r>
-                <a:rPr lang="en-US" altLang="zh-CN" sz="1400" dirty="0">
-                  <a:solidFill>
-                    <a:schemeClr val="tx1"/>
-                  </a:solidFill>
-                  <a:latin typeface="Linux Libertine" panose="02000503000000000000" pitchFamily="2" charset="0"/>
-                  <a:ea typeface="Linux Libertine" panose="02000503000000000000" pitchFamily="2" charset="0"/>
-                  <a:cs typeface="Linux Libertine" panose="02000503000000000000" pitchFamily="2" charset="0"/>
-                </a:rPr>
-                <a:t>Prompt Refinement</a:t>
-              </a:r>
-              <a:endParaRPr lang="zh-CN" altLang="en-US" sz="1400" dirty="0">
+              <a:latin typeface="Linux Libertine" panose="02000503000000000000" pitchFamily="2" charset="0"/>
+              <a:cs typeface="Linux Libertine" panose="02000503000000000000" pitchFamily="2" charset="0"/>
+            </a:endParaRPr>
+          </a:p>
+        </p:txBody>
+      </p:sp>
+      <p:pic>
+        <p:nvPicPr>
+          <p:cNvPr id="12" name="Picture 11">
+            <a:extLst>
+              <a:ext uri="{FF2B5EF4-FFF2-40B4-BE49-F238E27FC236}">
+                <a16:creationId xmlns:a16="http://schemas.microsoft.com/office/drawing/2014/main" id="{91B49627-0FE0-AC87-21E0-BB04D46A478C}"/>
+              </a:ext>
+            </a:extLst>
+          </p:cNvPr>
+          <p:cNvPicPr>
+            <a:picLocks noChangeAspect="1"/>
+          </p:cNvPicPr>
+          <p:nvPr/>
+        </p:nvPicPr>
+        <p:blipFill>
+          <a:blip r:embed="rId4"/>
+          <a:stretch>
+            <a:fillRect/>
+          </a:stretch>
+        </p:blipFill>
+        <p:spPr>
+          <a:xfrm>
+            <a:off x="3543292" y="426820"/>
+            <a:ext cx="625921" cy="625921"/>
+          </a:xfrm>
+          <a:prstGeom prst="rect">
+            <a:avLst/>
+          </a:prstGeom>
+        </p:spPr>
+      </p:pic>
+      <p:sp>
+        <p:nvSpPr>
+          <p:cNvPr id="13" name="Rectangle: Rounded Corners 12">
+            <a:extLst>
+              <a:ext uri="{FF2B5EF4-FFF2-40B4-BE49-F238E27FC236}">
+                <a16:creationId xmlns:a16="http://schemas.microsoft.com/office/drawing/2014/main" id="{16DCA9D5-E6EB-3B47-4873-DB1A23748825}"/>
+              </a:ext>
+            </a:extLst>
+          </p:cNvPr>
+          <p:cNvSpPr/>
+          <p:nvPr/>
+        </p:nvSpPr>
+        <p:spPr>
+          <a:xfrm>
+            <a:off x="1706065" y="432247"/>
+            <a:ext cx="1276147" cy="696113"/>
+          </a:xfrm>
+          <a:prstGeom prst="roundRect">
+            <a:avLst>
+              <a:gd name="adj" fmla="val 50000"/>
+            </a:avLst>
+          </a:prstGeom>
+          <a:noFill/>
+          <a:ln>
+            <a:solidFill>
+              <a:schemeClr val="tx1"/>
+            </a:solidFill>
+          </a:ln>
+        </p:spPr>
+        <p:style>
+          <a:lnRef idx="2">
+            <a:schemeClr val="accent1">
+              <a:shade val="15000"/>
+            </a:schemeClr>
+          </a:lnRef>
+          <a:fillRef idx="1">
+            <a:schemeClr val="accent1"/>
+          </a:fillRef>
+          <a:effectRef idx="0">
+            <a:schemeClr val="accent1"/>
+          </a:effectRef>
+          <a:fontRef idx="minor">
+            <a:schemeClr val="lt1"/>
+          </a:fontRef>
+        </p:style>
+        <p:txBody>
+          <a:bodyPr rtlCol="0" anchor="ctr"/>
+          <a:lstStyle/>
+          <a:p>
+            <a:pPr algn="ctr"/>
+            <a:r>
+              <a:rPr lang="en-US" altLang="zh-CN" sz="1400" dirty="0">
                 <a:solidFill>
                   <a:schemeClr val="tx1"/>
                 </a:solidFill>
                 <a:latin typeface="Linux Libertine" panose="02000503000000000000" pitchFamily="2" charset="0"/>
+                <a:ea typeface="Linux Libertine" panose="02000503000000000000" pitchFamily="2" charset="0"/>
                 <a:cs typeface="Linux Libertine" panose="02000503000000000000" pitchFamily="2" charset="0"/>
-              </a:endParaRPr>
-            </a:p>
-          </p:txBody>
-        </p:sp>
-        <p:pic>
-          <p:nvPicPr>
-            <p:cNvPr id="17" name="Picture 16">
-              <a:extLst>
-                <a:ext uri="{FF2B5EF4-FFF2-40B4-BE49-F238E27FC236}">
-                  <a16:creationId xmlns:a16="http://schemas.microsoft.com/office/drawing/2014/main" id="{C7AD108B-5A3F-C322-AE20-0192053DD627}"/>
-                </a:ext>
-              </a:extLst>
-            </p:cNvPr>
-            <p:cNvPicPr>
-              <a:picLocks noChangeAspect="1"/>
-            </p:cNvPicPr>
-            <p:nvPr/>
-          </p:nvPicPr>
-          <p:blipFill>
-            <a:blip r:embed="rId5"/>
-            <a:stretch>
-              <a:fillRect/>
-            </a:stretch>
-          </p:blipFill>
-          <p:spPr>
-            <a:xfrm>
-              <a:off x="7655078" y="1762769"/>
-              <a:ext cx="448683" cy="448683"/>
-            </a:xfrm>
-            <a:prstGeom prst="rect">
-              <a:avLst/>
-            </a:prstGeom>
-          </p:spPr>
-        </p:pic>
-        <p:sp>
-          <p:nvSpPr>
-            <p:cNvPr id="18" name="TextBox 17">
-              <a:extLst>
-                <a:ext uri="{FF2B5EF4-FFF2-40B4-BE49-F238E27FC236}">
-                  <a16:creationId xmlns:a16="http://schemas.microsoft.com/office/drawing/2014/main" id="{96ED0BC3-1B1B-C66D-9D69-4DD37AC39B9C}"/>
-                </a:ext>
-              </a:extLst>
-            </p:cNvPr>
-            <p:cNvSpPr txBox="1"/>
-            <p:nvPr/>
-          </p:nvSpPr>
-          <p:spPr>
-            <a:xfrm>
-              <a:off x="7282632" y="2249552"/>
-              <a:ext cx="1193575" cy="307777"/>
-            </a:xfrm>
-            <a:prstGeom prst="rect">
-              <a:avLst/>
-            </a:prstGeom>
-            <a:noFill/>
-          </p:spPr>
-          <p:txBody>
-            <a:bodyPr wrap="square" rtlCol="0">
-              <a:spAutoFit/>
-            </a:bodyPr>
-            <a:lstStyle/>
-            <a:p>
-              <a:pPr algn="ctr"/>
-              <a:r>
-                <a:rPr lang="en-US" altLang="zh-CN" sz="1400" dirty="0">
-                  <a:latin typeface="Linux Libertine" panose="02000503000000000000" pitchFamily="2" charset="0"/>
-                  <a:ea typeface="Linux Libertine" panose="02000503000000000000" pitchFamily="2" charset="0"/>
-                  <a:cs typeface="Linux Libertine" panose="02000503000000000000" pitchFamily="2" charset="0"/>
-                </a:rPr>
-                <a:t>LLM Prompts</a:t>
-              </a:r>
-              <a:endParaRPr lang="zh-CN" altLang="en-US" sz="1400" dirty="0">
+              </a:rPr>
+              <a:t>Constraint Learning</a:t>
+            </a:r>
+          </a:p>
+          <a:p>
+            <a:pPr algn="ctr"/>
+            <a:r>
+              <a:rPr lang="en-US" altLang="zh-CN" sz="1400" dirty="0">
+                <a:solidFill>
+                  <a:schemeClr val="tx1"/>
+                </a:solidFill>
                 <a:latin typeface="Linux Libertine" panose="02000503000000000000" pitchFamily="2" charset="0"/>
+                <a:ea typeface="Linux Libertine" panose="02000503000000000000" pitchFamily="2" charset="0"/>
                 <a:cs typeface="Linux Libertine" panose="02000503000000000000" pitchFamily="2" charset="0"/>
-              </a:endParaRPr>
-            </a:p>
-          </p:txBody>
-        </p:sp>
-        <p:cxnSp>
-          <p:nvCxnSpPr>
-            <p:cNvPr id="23" name="Straight Arrow Connector 22">
-              <a:extLst>
-                <a:ext uri="{FF2B5EF4-FFF2-40B4-BE49-F238E27FC236}">
-                  <a16:creationId xmlns:a16="http://schemas.microsoft.com/office/drawing/2014/main" id="{F4257D95-82A5-0BDE-0835-1116AD3E2C2B}"/>
-                </a:ext>
-              </a:extLst>
-            </p:cNvPr>
-            <p:cNvCxnSpPr>
-              <a:cxnSpLocks/>
-            </p:cNvCxnSpPr>
-            <p:nvPr/>
-          </p:nvCxnSpPr>
-          <p:spPr>
-            <a:xfrm>
-              <a:off x="1914525" y="1933575"/>
-              <a:ext cx="400050" cy="0"/>
-            </a:xfrm>
-            <a:prstGeom prst="straightConnector1">
-              <a:avLst/>
-            </a:prstGeom>
-            <a:ln w="28575">
+              </a:rPr>
+              <a:t>Agent</a:t>
+            </a:r>
+            <a:endParaRPr lang="zh-CN" altLang="en-US" sz="1400" dirty="0">
               <a:solidFill>
                 <a:schemeClr val="tx1"/>
               </a:solidFill>
-              <a:tailEnd type="triangle" w="med" len="med"/>
-            </a:ln>
-          </p:spPr>
-          <p:style>
-            <a:lnRef idx="2">
-              <a:schemeClr val="accent1"/>
-            </a:lnRef>
-            <a:fillRef idx="0">
-              <a:schemeClr val="accent1"/>
-            </a:fillRef>
-            <a:effectRef idx="1">
-              <a:schemeClr val="accent1"/>
-            </a:effectRef>
-            <a:fontRef idx="minor">
+              <a:latin typeface="Linux Libertine" panose="02000503000000000000" pitchFamily="2" charset="0"/>
+              <a:cs typeface="Linux Libertine" panose="02000503000000000000" pitchFamily="2" charset="0"/>
+            </a:endParaRPr>
+          </a:p>
+        </p:txBody>
+      </p:sp>
+      <p:sp>
+        <p:nvSpPr>
+          <p:cNvPr id="14" name="TextBox 13">
+            <a:extLst>
+              <a:ext uri="{FF2B5EF4-FFF2-40B4-BE49-F238E27FC236}">
+                <a16:creationId xmlns:a16="http://schemas.microsoft.com/office/drawing/2014/main" id="{9B601573-B813-349E-9E17-FB382F8AF294}"/>
+              </a:ext>
+            </a:extLst>
+          </p:cNvPr>
+          <p:cNvSpPr txBox="1"/>
+          <p:nvPr/>
+        </p:nvSpPr>
+        <p:spPr>
+          <a:xfrm>
+            <a:off x="3178823" y="1017658"/>
+            <a:ext cx="1354858" cy="307777"/>
+          </a:xfrm>
+          <a:prstGeom prst="rect">
+            <a:avLst/>
+          </a:prstGeom>
+          <a:noFill/>
+        </p:spPr>
+        <p:txBody>
+          <a:bodyPr wrap="none" rtlCol="0">
+            <a:spAutoFit/>
+          </a:bodyPr>
+          <a:lstStyle/>
+          <a:p>
+            <a:pPr algn="ctr"/>
+            <a:r>
+              <a:rPr lang="en-US" altLang="zh-CN" sz="1400" dirty="0">
+                <a:latin typeface="Linux Libertine" panose="02000503000000000000" pitchFamily="2" charset="0"/>
+                <a:ea typeface="Linux Libertine" panose="02000503000000000000" pitchFamily="2" charset="0"/>
+                <a:cs typeface="Linux Libertine" panose="02000503000000000000" pitchFamily="2" charset="0"/>
+              </a:rPr>
+              <a:t>Log Constraints</a:t>
+            </a:r>
+            <a:endParaRPr lang="zh-CN" altLang="en-US" sz="1400" dirty="0">
+              <a:latin typeface="Linux Libertine" panose="02000503000000000000" pitchFamily="2" charset="0"/>
+              <a:cs typeface="Linux Libertine" panose="02000503000000000000" pitchFamily="2" charset="0"/>
+            </a:endParaRPr>
+          </a:p>
+        </p:txBody>
+      </p:sp>
+      <p:sp>
+        <p:nvSpPr>
+          <p:cNvPr id="15" name="Rectangle: Rounded Corners 14">
+            <a:extLst>
+              <a:ext uri="{FF2B5EF4-FFF2-40B4-BE49-F238E27FC236}">
+                <a16:creationId xmlns:a16="http://schemas.microsoft.com/office/drawing/2014/main" id="{C3968C4B-DA08-5CDA-800B-FCF809BEA163}"/>
+              </a:ext>
+            </a:extLst>
+          </p:cNvPr>
+          <p:cNvSpPr/>
+          <p:nvPr/>
+        </p:nvSpPr>
+        <p:spPr>
+          <a:xfrm>
+            <a:off x="6485288" y="1685336"/>
+            <a:ext cx="1276147" cy="696113"/>
+          </a:xfrm>
+          <a:prstGeom prst="roundRect">
+            <a:avLst>
+              <a:gd name="adj" fmla="val 50000"/>
+            </a:avLst>
+          </a:prstGeom>
+          <a:noFill/>
+          <a:ln>
+            <a:solidFill>
               <a:schemeClr val="tx1"/>
-            </a:fontRef>
-          </p:style>
-        </p:cxnSp>
-        <p:cxnSp>
-          <p:nvCxnSpPr>
-            <p:cNvPr id="25" name="Straight Arrow Connector 24">
-              <a:extLst>
-                <a:ext uri="{FF2B5EF4-FFF2-40B4-BE49-F238E27FC236}">
-                  <a16:creationId xmlns:a16="http://schemas.microsoft.com/office/drawing/2014/main" id="{79F1D057-6292-A8D4-5E0A-45F7E3E12C85}"/>
-                </a:ext>
-              </a:extLst>
-            </p:cNvPr>
-            <p:cNvCxnSpPr>
-              <a:cxnSpLocks/>
-            </p:cNvCxnSpPr>
-            <p:nvPr/>
-          </p:nvCxnSpPr>
-          <p:spPr>
-            <a:xfrm>
-              <a:off x="3807557" y="1933575"/>
-              <a:ext cx="400050" cy="0"/>
-            </a:xfrm>
-            <a:prstGeom prst="straightConnector1">
-              <a:avLst/>
-            </a:prstGeom>
-            <a:ln w="28575">
+            </a:solidFill>
+          </a:ln>
+        </p:spPr>
+        <p:style>
+          <a:lnRef idx="2">
+            <a:schemeClr val="accent1">
+              <a:shade val="15000"/>
+            </a:schemeClr>
+          </a:lnRef>
+          <a:fillRef idx="1">
+            <a:schemeClr val="accent1"/>
+          </a:fillRef>
+          <a:effectRef idx="0">
+            <a:schemeClr val="accent1"/>
+          </a:effectRef>
+          <a:fontRef idx="minor">
+            <a:schemeClr val="lt1"/>
+          </a:fontRef>
+        </p:style>
+        <p:txBody>
+          <a:bodyPr rtlCol="0" anchor="ctr"/>
+          <a:lstStyle/>
+          <a:p>
+            <a:pPr algn="ctr"/>
+            <a:r>
+              <a:rPr lang="en-US" altLang="zh-CN" sz="1400" dirty="0">
+                <a:solidFill>
+                  <a:schemeClr val="tx1"/>
+                </a:solidFill>
+                <a:latin typeface="Linux Libertine" panose="02000503000000000000" pitchFamily="2" charset="0"/>
+                <a:ea typeface="Linux Libertine" panose="02000503000000000000" pitchFamily="2" charset="0"/>
+                <a:cs typeface="Linux Libertine" panose="02000503000000000000" pitchFamily="2" charset="0"/>
+              </a:rPr>
+              <a:t>Prompt Refinement Agent</a:t>
+            </a:r>
+            <a:endParaRPr lang="zh-CN" altLang="en-US" sz="1400" dirty="0">
               <a:solidFill>
                 <a:schemeClr val="tx1"/>
               </a:solidFill>
-              <a:tailEnd type="triangle" w="med" len="med"/>
-            </a:ln>
-          </p:spPr>
-          <p:style>
-            <a:lnRef idx="2">
-              <a:schemeClr val="accent1"/>
-            </a:lnRef>
-            <a:fillRef idx="0">
-              <a:schemeClr val="accent1"/>
-            </a:fillRef>
-            <a:effectRef idx="1">
-              <a:schemeClr val="accent1"/>
-            </a:effectRef>
-            <a:fontRef idx="minor">
+              <a:latin typeface="Linux Libertine" panose="02000503000000000000" pitchFamily="2" charset="0"/>
+              <a:cs typeface="Linux Libertine" panose="02000503000000000000" pitchFamily="2" charset="0"/>
+            </a:endParaRPr>
+          </a:p>
+        </p:txBody>
+      </p:sp>
+      <p:pic>
+        <p:nvPicPr>
+          <p:cNvPr id="17" name="Picture 16">
+            <a:extLst>
+              <a:ext uri="{FF2B5EF4-FFF2-40B4-BE49-F238E27FC236}">
+                <a16:creationId xmlns:a16="http://schemas.microsoft.com/office/drawing/2014/main" id="{C7AD108B-5A3F-C322-AE20-0192053DD627}"/>
+              </a:ext>
+            </a:extLst>
+          </p:cNvPr>
+          <p:cNvPicPr>
+            <a:picLocks noChangeAspect="1"/>
+          </p:cNvPicPr>
+          <p:nvPr/>
+        </p:nvPicPr>
+        <p:blipFill>
+          <a:blip r:embed="rId5"/>
+          <a:stretch>
+            <a:fillRect/>
+          </a:stretch>
+        </p:blipFill>
+        <p:spPr>
+          <a:xfrm>
+            <a:off x="6899020" y="568975"/>
+            <a:ext cx="448683" cy="448683"/>
+          </a:xfrm>
+          <a:prstGeom prst="rect">
+            <a:avLst/>
+          </a:prstGeom>
+        </p:spPr>
+      </p:pic>
+      <p:sp>
+        <p:nvSpPr>
+          <p:cNvPr id="18" name="TextBox 17">
+            <a:extLst>
+              <a:ext uri="{FF2B5EF4-FFF2-40B4-BE49-F238E27FC236}">
+                <a16:creationId xmlns:a16="http://schemas.microsoft.com/office/drawing/2014/main" id="{96ED0BC3-1B1B-C66D-9D69-4DD37AC39B9C}"/>
+              </a:ext>
+            </a:extLst>
+          </p:cNvPr>
+          <p:cNvSpPr txBox="1"/>
+          <p:nvPr/>
+        </p:nvSpPr>
+        <p:spPr>
+          <a:xfrm>
+            <a:off x="6526574" y="1055758"/>
+            <a:ext cx="1193575" cy="307777"/>
+          </a:xfrm>
+          <a:prstGeom prst="rect">
+            <a:avLst/>
+          </a:prstGeom>
+          <a:noFill/>
+        </p:spPr>
+        <p:txBody>
+          <a:bodyPr wrap="square" rtlCol="0">
+            <a:spAutoFit/>
+          </a:bodyPr>
+          <a:lstStyle/>
+          <a:p>
+            <a:pPr algn="ctr"/>
+            <a:r>
+              <a:rPr lang="en-US" altLang="zh-CN" sz="1400" dirty="0">
+                <a:latin typeface="Linux Libertine" panose="02000503000000000000" pitchFamily="2" charset="0"/>
+                <a:ea typeface="Linux Libertine" panose="02000503000000000000" pitchFamily="2" charset="0"/>
+                <a:cs typeface="Linux Libertine" panose="02000503000000000000" pitchFamily="2" charset="0"/>
+              </a:rPr>
+              <a:t>LLM Prompts</a:t>
+            </a:r>
+            <a:endParaRPr lang="zh-CN" altLang="en-US" sz="1400" dirty="0">
+              <a:latin typeface="Linux Libertine" panose="02000503000000000000" pitchFamily="2" charset="0"/>
+              <a:cs typeface="Linux Libertine" panose="02000503000000000000" pitchFamily="2" charset="0"/>
+            </a:endParaRPr>
+          </a:p>
+        </p:txBody>
+      </p:sp>
+      <p:cxnSp>
+        <p:nvCxnSpPr>
+          <p:cNvPr id="23" name="Straight Arrow Connector 22">
+            <a:extLst>
+              <a:ext uri="{FF2B5EF4-FFF2-40B4-BE49-F238E27FC236}">
+                <a16:creationId xmlns:a16="http://schemas.microsoft.com/office/drawing/2014/main" id="{F4257D95-82A5-0BDE-0835-1116AD3E2C2B}"/>
+              </a:ext>
+            </a:extLst>
+          </p:cNvPr>
+          <p:cNvCxnSpPr>
+            <a:cxnSpLocks/>
+          </p:cNvCxnSpPr>
+          <p:nvPr/>
+        </p:nvCxnSpPr>
+        <p:spPr>
+          <a:xfrm>
+            <a:off x="1158467" y="739781"/>
+            <a:ext cx="400050" cy="0"/>
+          </a:xfrm>
+          <a:prstGeom prst="straightConnector1">
+            <a:avLst/>
+          </a:prstGeom>
+          <a:ln w="28575">
+            <a:solidFill>
               <a:schemeClr val="tx1"/>
-            </a:fontRef>
-          </p:style>
-        </p:cxnSp>
-        <p:pic>
-          <p:nvPicPr>
-            <p:cNvPr id="47" name="Picture 46">
-              <a:extLst>
-                <a:ext uri="{FF2B5EF4-FFF2-40B4-BE49-F238E27FC236}">
-                  <a16:creationId xmlns:a16="http://schemas.microsoft.com/office/drawing/2014/main" id="{BDA5939E-CFC9-7CA0-DBA8-6C6D809ED1EC}"/>
-                </a:ext>
-              </a:extLst>
-            </p:cNvPr>
-            <p:cNvPicPr>
-              <a:picLocks noChangeAspect="1"/>
-            </p:cNvPicPr>
-            <p:nvPr/>
-          </p:nvPicPr>
-          <p:blipFill>
-            <a:blip r:embed="rId6"/>
-            <a:stretch>
-              <a:fillRect/>
-            </a:stretch>
-          </p:blipFill>
-          <p:spPr>
-            <a:xfrm>
-              <a:off x="5686916" y="2203414"/>
-              <a:ext cx="952500" cy="952500"/>
-            </a:xfrm>
-            <a:prstGeom prst="rect">
-              <a:avLst/>
-            </a:prstGeom>
-          </p:spPr>
-        </p:pic>
-        <p:cxnSp>
-          <p:nvCxnSpPr>
-            <p:cNvPr id="49" name="Straight Connector 48">
-              <a:extLst>
-                <a:ext uri="{FF2B5EF4-FFF2-40B4-BE49-F238E27FC236}">
-                  <a16:creationId xmlns:a16="http://schemas.microsoft.com/office/drawing/2014/main" id="{56ED2DAB-0707-DA7F-FAB7-5E6946E95A24}"/>
-                </a:ext>
-              </a:extLst>
-            </p:cNvPr>
-            <p:cNvCxnSpPr>
-              <a:cxnSpLocks/>
-            </p:cNvCxnSpPr>
-            <p:nvPr/>
-          </p:nvCxnSpPr>
-          <p:spPr>
-            <a:xfrm>
-              <a:off x="1640297" y="2473062"/>
-              <a:ext cx="0" cy="214640"/>
-            </a:xfrm>
-            <a:prstGeom prst="line">
-              <a:avLst/>
-            </a:prstGeom>
-            <a:ln w="28575">
-              <a:solidFill>
-                <a:schemeClr val="tx1"/>
-              </a:solidFill>
-              <a:tailEnd w="med" len="med"/>
-            </a:ln>
-          </p:spPr>
-          <p:style>
-            <a:lnRef idx="2">
-              <a:schemeClr val="accent1"/>
-            </a:lnRef>
-            <a:fillRef idx="0">
-              <a:schemeClr val="accent1"/>
-            </a:fillRef>
-            <a:effectRef idx="1">
-              <a:schemeClr val="accent1"/>
-            </a:effectRef>
-            <a:fontRef idx="minor">
+            </a:solidFill>
+            <a:tailEnd type="triangle" w="med" len="med"/>
+          </a:ln>
+        </p:spPr>
+        <p:style>
+          <a:lnRef idx="2">
+            <a:schemeClr val="accent1"/>
+          </a:lnRef>
+          <a:fillRef idx="0">
+            <a:schemeClr val="accent1"/>
+          </a:fillRef>
+          <a:effectRef idx="1">
+            <a:schemeClr val="accent1"/>
+          </a:effectRef>
+          <a:fontRef idx="minor">
+            <a:schemeClr val="tx1"/>
+          </a:fontRef>
+        </p:style>
+      </p:cxnSp>
+      <p:cxnSp>
+        <p:nvCxnSpPr>
+          <p:cNvPr id="25" name="Straight Arrow Connector 24">
+            <a:extLst>
+              <a:ext uri="{FF2B5EF4-FFF2-40B4-BE49-F238E27FC236}">
+                <a16:creationId xmlns:a16="http://schemas.microsoft.com/office/drawing/2014/main" id="{79F1D057-6292-A8D4-5E0A-45F7E3E12C85}"/>
+              </a:ext>
+            </a:extLst>
+          </p:cNvPr>
+          <p:cNvCxnSpPr>
+            <a:cxnSpLocks/>
+          </p:cNvCxnSpPr>
+          <p:nvPr/>
+        </p:nvCxnSpPr>
+        <p:spPr>
+          <a:xfrm>
+            <a:off x="3051499" y="739781"/>
+            <a:ext cx="400050" cy="0"/>
+          </a:xfrm>
+          <a:prstGeom prst="straightConnector1">
+            <a:avLst/>
+          </a:prstGeom>
+          <a:ln w="28575">
+            <a:solidFill>
               <a:schemeClr val="tx1"/>
-            </a:fontRef>
-          </p:style>
-        </p:cxnSp>
-        <p:cxnSp>
-          <p:nvCxnSpPr>
-            <p:cNvPr id="51" name="Straight Connector 50">
-              <a:extLst>
-                <a:ext uri="{FF2B5EF4-FFF2-40B4-BE49-F238E27FC236}">
-                  <a16:creationId xmlns:a16="http://schemas.microsoft.com/office/drawing/2014/main" id="{705599D1-8DF6-1CB8-D101-738EB23B7DF7}"/>
-                </a:ext>
-              </a:extLst>
-            </p:cNvPr>
-            <p:cNvCxnSpPr>
-              <a:cxnSpLocks/>
-            </p:cNvCxnSpPr>
-            <p:nvPr/>
-          </p:nvCxnSpPr>
-          <p:spPr>
-            <a:xfrm>
-              <a:off x="1640297" y="2687702"/>
-              <a:ext cx="2981911" cy="0"/>
-            </a:xfrm>
-            <a:prstGeom prst="line">
-              <a:avLst/>
-            </a:prstGeom>
-            <a:ln w="28575">
-              <a:solidFill>
-                <a:schemeClr val="tx1"/>
-              </a:solidFill>
-              <a:tailEnd w="med" len="med"/>
-            </a:ln>
-          </p:spPr>
-          <p:style>
-            <a:lnRef idx="2">
-              <a:schemeClr val="accent1"/>
-            </a:lnRef>
-            <a:fillRef idx="0">
-              <a:schemeClr val="accent1"/>
-            </a:fillRef>
-            <a:effectRef idx="1">
-              <a:schemeClr val="accent1"/>
-            </a:effectRef>
-            <a:fontRef idx="minor">
+            </a:solidFill>
+            <a:tailEnd type="triangle" w="med" len="med"/>
+          </a:ln>
+        </p:spPr>
+        <p:style>
+          <a:lnRef idx="2">
+            <a:schemeClr val="accent1"/>
+          </a:lnRef>
+          <a:fillRef idx="0">
+            <a:schemeClr val="accent1"/>
+          </a:fillRef>
+          <a:effectRef idx="1">
+            <a:schemeClr val="accent1"/>
+          </a:effectRef>
+          <a:fontRef idx="minor">
+            <a:schemeClr val="tx1"/>
+          </a:fontRef>
+        </p:style>
+      </p:cxnSp>
+      <p:pic>
+        <p:nvPicPr>
+          <p:cNvPr id="47" name="Picture 46">
+            <a:extLst>
+              <a:ext uri="{FF2B5EF4-FFF2-40B4-BE49-F238E27FC236}">
+                <a16:creationId xmlns:a16="http://schemas.microsoft.com/office/drawing/2014/main" id="{BDA5939E-CFC9-7CA0-DBA8-6C6D809ED1EC}"/>
+              </a:ext>
+            </a:extLst>
+          </p:cNvPr>
+          <p:cNvPicPr>
+            <a:picLocks noChangeAspect="1"/>
+          </p:cNvPicPr>
+          <p:nvPr/>
+        </p:nvPicPr>
+        <p:blipFill>
+          <a:blip r:embed="rId6"/>
+          <a:stretch>
+            <a:fillRect/>
+          </a:stretch>
+        </p:blipFill>
+        <p:spPr>
+          <a:xfrm>
+            <a:off x="4930858" y="1009620"/>
+            <a:ext cx="952500" cy="952500"/>
+          </a:xfrm>
+          <a:prstGeom prst="rect">
+            <a:avLst/>
+          </a:prstGeom>
+        </p:spPr>
+      </p:pic>
+      <p:cxnSp>
+        <p:nvCxnSpPr>
+          <p:cNvPr id="49" name="Straight Connector 48">
+            <a:extLst>
+              <a:ext uri="{FF2B5EF4-FFF2-40B4-BE49-F238E27FC236}">
+                <a16:creationId xmlns:a16="http://schemas.microsoft.com/office/drawing/2014/main" id="{56ED2DAB-0707-DA7F-FAB7-5E6946E95A24}"/>
+              </a:ext>
+            </a:extLst>
+          </p:cNvPr>
+          <p:cNvCxnSpPr>
+            <a:cxnSpLocks/>
+          </p:cNvCxnSpPr>
+          <p:nvPr/>
+        </p:nvCxnSpPr>
+        <p:spPr>
+          <a:xfrm>
+            <a:off x="884239" y="1279268"/>
+            <a:ext cx="0" cy="214640"/>
+          </a:xfrm>
+          <a:prstGeom prst="line">
+            <a:avLst/>
+          </a:prstGeom>
+          <a:ln w="28575">
+            <a:solidFill>
               <a:schemeClr val="tx1"/>
-            </a:fontRef>
-          </p:style>
-        </p:cxnSp>
-        <p:cxnSp>
-          <p:nvCxnSpPr>
-            <p:cNvPr id="53" name="Straight Connector 52">
-              <a:extLst>
-                <a:ext uri="{FF2B5EF4-FFF2-40B4-BE49-F238E27FC236}">
-                  <a16:creationId xmlns:a16="http://schemas.microsoft.com/office/drawing/2014/main" id="{B2F97F96-C54A-E6AA-BA4C-7C15851C47E1}"/>
-                </a:ext>
-              </a:extLst>
-            </p:cNvPr>
-            <p:cNvCxnSpPr>
-              <a:cxnSpLocks/>
-              <a:endCxn id="14" idx="2"/>
-            </p:cNvCxnSpPr>
-            <p:nvPr/>
-          </p:nvCxnSpPr>
-          <p:spPr>
-            <a:xfrm flipH="1" flipV="1">
-              <a:off x="4612310" y="2519229"/>
-              <a:ext cx="2522" cy="178001"/>
-            </a:xfrm>
-            <a:prstGeom prst="line">
-              <a:avLst/>
-            </a:prstGeom>
-            <a:ln w="28575">
-              <a:solidFill>
-                <a:schemeClr val="tx1"/>
-              </a:solidFill>
-              <a:tailEnd w="med" len="med"/>
-            </a:ln>
-          </p:spPr>
-          <p:style>
-            <a:lnRef idx="2">
-              <a:schemeClr val="accent1"/>
-            </a:lnRef>
-            <a:fillRef idx="0">
-              <a:schemeClr val="accent1"/>
-            </a:fillRef>
-            <a:effectRef idx="1">
-              <a:schemeClr val="accent1"/>
-            </a:effectRef>
-            <a:fontRef idx="minor">
+            </a:solidFill>
+            <a:tailEnd w="med" len="med"/>
+          </a:ln>
+        </p:spPr>
+        <p:style>
+          <a:lnRef idx="2">
+            <a:schemeClr val="accent1"/>
+          </a:lnRef>
+          <a:fillRef idx="0">
+            <a:schemeClr val="accent1"/>
+          </a:fillRef>
+          <a:effectRef idx="1">
+            <a:schemeClr val="accent1"/>
+          </a:effectRef>
+          <a:fontRef idx="minor">
+            <a:schemeClr val="tx1"/>
+          </a:fontRef>
+        </p:style>
+      </p:cxnSp>
+      <p:cxnSp>
+        <p:nvCxnSpPr>
+          <p:cNvPr id="51" name="Straight Connector 50">
+            <a:extLst>
+              <a:ext uri="{FF2B5EF4-FFF2-40B4-BE49-F238E27FC236}">
+                <a16:creationId xmlns:a16="http://schemas.microsoft.com/office/drawing/2014/main" id="{705599D1-8DF6-1CB8-D101-738EB23B7DF7}"/>
+              </a:ext>
+            </a:extLst>
+          </p:cNvPr>
+          <p:cNvCxnSpPr>
+            <a:cxnSpLocks/>
+          </p:cNvCxnSpPr>
+          <p:nvPr/>
+        </p:nvCxnSpPr>
+        <p:spPr>
+          <a:xfrm>
+            <a:off x="884239" y="1493908"/>
+            <a:ext cx="2981911" cy="0"/>
+          </a:xfrm>
+          <a:prstGeom prst="line">
+            <a:avLst/>
+          </a:prstGeom>
+          <a:ln w="28575">
+            <a:solidFill>
               <a:schemeClr val="tx1"/>
-            </a:fontRef>
-          </p:style>
-        </p:cxnSp>
-        <p:cxnSp>
-          <p:nvCxnSpPr>
-            <p:cNvPr id="55" name="Straight Arrow Connector 54">
-              <a:extLst>
-                <a:ext uri="{FF2B5EF4-FFF2-40B4-BE49-F238E27FC236}">
-                  <a16:creationId xmlns:a16="http://schemas.microsoft.com/office/drawing/2014/main" id="{2D04E7A3-9F0A-4609-3F81-421F402F7E40}"/>
-                </a:ext>
-              </a:extLst>
-            </p:cNvPr>
-            <p:cNvCxnSpPr>
-              <a:cxnSpLocks/>
-              <a:endCxn id="8" idx="0"/>
-            </p:cNvCxnSpPr>
-            <p:nvPr/>
-          </p:nvCxnSpPr>
-          <p:spPr>
-            <a:xfrm>
-              <a:off x="3100196" y="2687702"/>
-              <a:ext cx="1" cy="264760"/>
-            </a:xfrm>
-            <a:prstGeom prst="straightConnector1">
-              <a:avLst/>
-            </a:prstGeom>
-            <a:ln w="28575">
-              <a:solidFill>
-                <a:schemeClr val="tx1"/>
-              </a:solidFill>
-              <a:tailEnd type="triangle" w="med" len="med"/>
-            </a:ln>
-          </p:spPr>
-          <p:style>
-            <a:lnRef idx="2">
-              <a:schemeClr val="accent1"/>
-            </a:lnRef>
-            <a:fillRef idx="0">
-              <a:schemeClr val="accent1"/>
-            </a:fillRef>
-            <a:effectRef idx="1">
-              <a:schemeClr val="accent1"/>
-            </a:effectRef>
-            <a:fontRef idx="minor">
+            </a:solidFill>
+            <a:tailEnd w="med" len="med"/>
+          </a:ln>
+        </p:spPr>
+        <p:style>
+          <a:lnRef idx="2">
+            <a:schemeClr val="accent1"/>
+          </a:lnRef>
+          <a:fillRef idx="0">
+            <a:schemeClr val="accent1"/>
+          </a:fillRef>
+          <a:effectRef idx="1">
+            <a:schemeClr val="accent1"/>
+          </a:effectRef>
+          <a:fontRef idx="minor">
+            <a:schemeClr val="tx1"/>
+          </a:fontRef>
+        </p:style>
+      </p:cxnSp>
+      <p:cxnSp>
+        <p:nvCxnSpPr>
+          <p:cNvPr id="53" name="Straight Connector 52">
+            <a:extLst>
+              <a:ext uri="{FF2B5EF4-FFF2-40B4-BE49-F238E27FC236}">
+                <a16:creationId xmlns:a16="http://schemas.microsoft.com/office/drawing/2014/main" id="{B2F97F96-C54A-E6AA-BA4C-7C15851C47E1}"/>
+              </a:ext>
+            </a:extLst>
+          </p:cNvPr>
+          <p:cNvCxnSpPr>
+            <a:cxnSpLocks/>
+            <a:endCxn id="14" idx="2"/>
+          </p:cNvCxnSpPr>
+          <p:nvPr/>
+        </p:nvCxnSpPr>
+        <p:spPr>
+          <a:xfrm flipH="1" flipV="1">
+            <a:off x="3856252" y="1325435"/>
+            <a:ext cx="2522" cy="178001"/>
+          </a:xfrm>
+          <a:prstGeom prst="line">
+            <a:avLst/>
+          </a:prstGeom>
+          <a:ln w="28575">
+            <a:solidFill>
               <a:schemeClr val="tx1"/>
-            </a:fontRef>
-          </p:style>
-        </p:cxnSp>
-        <p:cxnSp>
-          <p:nvCxnSpPr>
-            <p:cNvPr id="58" name="Straight Arrow Connector 57">
-              <a:extLst>
-                <a:ext uri="{FF2B5EF4-FFF2-40B4-BE49-F238E27FC236}">
-                  <a16:creationId xmlns:a16="http://schemas.microsoft.com/office/drawing/2014/main" id="{F91D3572-4459-D675-B284-7DD1637FF1B3}"/>
-                </a:ext>
-              </a:extLst>
-            </p:cNvPr>
-            <p:cNvCxnSpPr>
-              <a:stCxn id="8" idx="3"/>
-            </p:cNvCxnSpPr>
-            <p:nvPr/>
-          </p:nvCxnSpPr>
-          <p:spPr>
-            <a:xfrm>
-              <a:off x="3738270" y="3247881"/>
-              <a:ext cx="555213" cy="0"/>
-            </a:xfrm>
-            <a:prstGeom prst="straightConnector1">
-              <a:avLst/>
-            </a:prstGeom>
-            <a:ln w="28575">
-              <a:solidFill>
-                <a:schemeClr val="tx1"/>
-              </a:solidFill>
-              <a:tailEnd type="triangle" w="med" len="med"/>
-            </a:ln>
-          </p:spPr>
-          <p:style>
-            <a:lnRef idx="2">
-              <a:schemeClr val="accent1"/>
-            </a:lnRef>
-            <a:fillRef idx="0">
-              <a:schemeClr val="accent1"/>
-            </a:fillRef>
-            <a:effectRef idx="1">
-              <a:schemeClr val="accent1"/>
-            </a:effectRef>
-            <a:fontRef idx="minor">
+            </a:solidFill>
+            <a:tailEnd w="med" len="med"/>
+          </a:ln>
+        </p:spPr>
+        <p:style>
+          <a:lnRef idx="2">
+            <a:schemeClr val="accent1"/>
+          </a:lnRef>
+          <a:fillRef idx="0">
+            <a:schemeClr val="accent1"/>
+          </a:fillRef>
+          <a:effectRef idx="1">
+            <a:schemeClr val="accent1"/>
+          </a:effectRef>
+          <a:fontRef idx="minor">
+            <a:schemeClr val="tx1"/>
+          </a:fontRef>
+        </p:style>
+      </p:cxnSp>
+      <p:cxnSp>
+        <p:nvCxnSpPr>
+          <p:cNvPr id="55" name="Straight Arrow Connector 54">
+            <a:extLst>
+              <a:ext uri="{FF2B5EF4-FFF2-40B4-BE49-F238E27FC236}">
+                <a16:creationId xmlns:a16="http://schemas.microsoft.com/office/drawing/2014/main" id="{2D04E7A3-9F0A-4609-3F81-421F402F7E40}"/>
+              </a:ext>
+            </a:extLst>
+          </p:cNvPr>
+          <p:cNvCxnSpPr>
+            <a:cxnSpLocks/>
+            <a:endCxn id="8" idx="0"/>
+          </p:cNvCxnSpPr>
+          <p:nvPr/>
+        </p:nvCxnSpPr>
+        <p:spPr>
+          <a:xfrm>
+            <a:off x="2344138" y="1503436"/>
+            <a:ext cx="1" cy="184111"/>
+          </a:xfrm>
+          <a:prstGeom prst="straightConnector1">
+            <a:avLst/>
+          </a:prstGeom>
+          <a:ln w="28575">
+            <a:solidFill>
               <a:schemeClr val="tx1"/>
-            </a:fontRef>
-          </p:style>
-        </p:cxnSp>
-        <p:cxnSp>
-          <p:nvCxnSpPr>
-            <p:cNvPr id="60" name="Straight Connector 59">
-              <a:extLst>
-                <a:ext uri="{FF2B5EF4-FFF2-40B4-BE49-F238E27FC236}">
-                  <a16:creationId xmlns:a16="http://schemas.microsoft.com/office/drawing/2014/main" id="{5EA8D2E0-3B9B-1FE2-66A5-540394DA386A}"/>
-                </a:ext>
-              </a:extLst>
-            </p:cNvPr>
-            <p:cNvCxnSpPr>
-              <a:cxnSpLocks/>
-            </p:cNvCxnSpPr>
-            <p:nvPr/>
-          </p:nvCxnSpPr>
-          <p:spPr>
-            <a:xfrm flipH="1">
-              <a:off x="1335675" y="2473062"/>
-              <a:ext cx="1" cy="1460763"/>
-            </a:xfrm>
-            <a:prstGeom prst="line">
-              <a:avLst/>
-            </a:prstGeom>
-            <a:ln w="28575">
-              <a:solidFill>
-                <a:schemeClr val="tx1"/>
-              </a:solidFill>
-              <a:tailEnd w="med" len="med"/>
-            </a:ln>
-          </p:spPr>
-          <p:style>
-            <a:lnRef idx="2">
-              <a:schemeClr val="accent1"/>
-            </a:lnRef>
-            <a:fillRef idx="0">
-              <a:schemeClr val="accent1"/>
-            </a:fillRef>
-            <a:effectRef idx="1">
-              <a:schemeClr val="accent1"/>
-            </a:effectRef>
-            <a:fontRef idx="minor">
+            </a:solidFill>
+            <a:tailEnd type="triangle" w="med" len="med"/>
+          </a:ln>
+        </p:spPr>
+        <p:style>
+          <a:lnRef idx="2">
+            <a:schemeClr val="accent1"/>
+          </a:lnRef>
+          <a:fillRef idx="0">
+            <a:schemeClr val="accent1"/>
+          </a:fillRef>
+          <a:effectRef idx="1">
+            <a:schemeClr val="accent1"/>
+          </a:effectRef>
+          <a:fontRef idx="minor">
+            <a:schemeClr val="tx1"/>
+          </a:fontRef>
+        </p:style>
+      </p:cxnSp>
+      <p:cxnSp>
+        <p:nvCxnSpPr>
+          <p:cNvPr id="58" name="Straight Arrow Connector 57">
+            <a:extLst>
+              <a:ext uri="{FF2B5EF4-FFF2-40B4-BE49-F238E27FC236}">
+                <a16:creationId xmlns:a16="http://schemas.microsoft.com/office/drawing/2014/main" id="{F91D3572-4459-D675-B284-7DD1637FF1B3}"/>
+              </a:ext>
+            </a:extLst>
+          </p:cNvPr>
+          <p:cNvCxnSpPr>
+            <a:cxnSpLocks/>
+            <a:stCxn id="8" idx="3"/>
+          </p:cNvCxnSpPr>
+          <p:nvPr/>
+        </p:nvCxnSpPr>
+        <p:spPr>
+          <a:xfrm flipV="1">
+            <a:off x="2982212" y="2035603"/>
+            <a:ext cx="561080" cy="1"/>
+          </a:xfrm>
+          <a:prstGeom prst="straightConnector1">
+            <a:avLst/>
+          </a:prstGeom>
+          <a:ln w="28575">
+            <a:solidFill>
               <a:schemeClr val="tx1"/>
-            </a:fontRef>
-          </p:style>
-        </p:cxnSp>
-        <p:cxnSp>
-          <p:nvCxnSpPr>
-            <p:cNvPr id="62" name="Straight Connector 61">
-              <a:extLst>
-                <a:ext uri="{FF2B5EF4-FFF2-40B4-BE49-F238E27FC236}">
-                  <a16:creationId xmlns:a16="http://schemas.microsoft.com/office/drawing/2014/main" id="{C85D1EDA-715B-3854-40DA-C5A3EE47F6A2}"/>
-                </a:ext>
-              </a:extLst>
-            </p:cNvPr>
-            <p:cNvCxnSpPr>
-              <a:cxnSpLocks/>
-            </p:cNvCxnSpPr>
-            <p:nvPr/>
-          </p:nvCxnSpPr>
-          <p:spPr>
-            <a:xfrm>
-              <a:off x="1335675" y="3933825"/>
-              <a:ext cx="6543744" cy="0"/>
-            </a:xfrm>
-            <a:prstGeom prst="line">
-              <a:avLst/>
-            </a:prstGeom>
-            <a:ln w="28575">
-              <a:solidFill>
-                <a:schemeClr val="tx1"/>
-              </a:solidFill>
-              <a:tailEnd w="med" len="med"/>
-            </a:ln>
-          </p:spPr>
-          <p:style>
-            <a:lnRef idx="2">
-              <a:schemeClr val="accent1"/>
-            </a:lnRef>
-            <a:fillRef idx="0">
-              <a:schemeClr val="accent1"/>
-            </a:fillRef>
-            <a:effectRef idx="1">
-              <a:schemeClr val="accent1"/>
-            </a:effectRef>
-            <a:fontRef idx="minor">
+            </a:solidFill>
+            <a:tailEnd type="triangle" w="med" len="med"/>
+          </a:ln>
+        </p:spPr>
+        <p:style>
+          <a:lnRef idx="2">
+            <a:schemeClr val="accent1"/>
+          </a:lnRef>
+          <a:fillRef idx="0">
+            <a:schemeClr val="accent1"/>
+          </a:fillRef>
+          <a:effectRef idx="1">
+            <a:schemeClr val="accent1"/>
+          </a:effectRef>
+          <a:fontRef idx="minor">
+            <a:schemeClr val="tx1"/>
+          </a:fontRef>
+        </p:style>
+      </p:cxnSp>
+      <p:cxnSp>
+        <p:nvCxnSpPr>
+          <p:cNvPr id="60" name="Straight Connector 59">
+            <a:extLst>
+              <a:ext uri="{FF2B5EF4-FFF2-40B4-BE49-F238E27FC236}">
+                <a16:creationId xmlns:a16="http://schemas.microsoft.com/office/drawing/2014/main" id="{5EA8D2E0-3B9B-1FE2-66A5-540394DA386A}"/>
+              </a:ext>
+            </a:extLst>
+          </p:cNvPr>
+          <p:cNvCxnSpPr>
+            <a:cxnSpLocks/>
+          </p:cNvCxnSpPr>
+          <p:nvPr/>
+        </p:nvCxnSpPr>
+        <p:spPr>
+          <a:xfrm flipH="1">
+            <a:off x="579617" y="1279268"/>
+            <a:ext cx="1" cy="1460763"/>
+          </a:xfrm>
+          <a:prstGeom prst="line">
+            <a:avLst/>
+          </a:prstGeom>
+          <a:ln w="28575">
+            <a:solidFill>
               <a:schemeClr val="tx1"/>
-            </a:fontRef>
-          </p:style>
-        </p:cxnSp>
-        <p:cxnSp>
-          <p:nvCxnSpPr>
-            <p:cNvPr id="1024" name="Straight Connector 1023">
-              <a:extLst>
-                <a:ext uri="{FF2B5EF4-FFF2-40B4-BE49-F238E27FC236}">
-                  <a16:creationId xmlns:a16="http://schemas.microsoft.com/office/drawing/2014/main" id="{799DCD51-3578-6207-94E1-65438D742C89}"/>
-                </a:ext>
-              </a:extLst>
-            </p:cNvPr>
-            <p:cNvCxnSpPr>
-              <a:cxnSpLocks/>
-            </p:cNvCxnSpPr>
-            <p:nvPr/>
-          </p:nvCxnSpPr>
-          <p:spPr>
-            <a:xfrm>
-              <a:off x="4612310" y="3743325"/>
-              <a:ext cx="0" cy="190500"/>
-            </a:xfrm>
-            <a:prstGeom prst="line">
-              <a:avLst/>
-            </a:prstGeom>
-            <a:ln w="28575">
-              <a:solidFill>
-                <a:schemeClr val="tx1"/>
-              </a:solidFill>
-              <a:tailEnd w="med" len="med"/>
-            </a:ln>
-          </p:spPr>
-          <p:style>
-            <a:lnRef idx="2">
-              <a:schemeClr val="accent1"/>
-            </a:lnRef>
-            <a:fillRef idx="0">
-              <a:schemeClr val="accent1"/>
-            </a:fillRef>
-            <a:effectRef idx="1">
-              <a:schemeClr val="accent1"/>
-            </a:effectRef>
-            <a:fontRef idx="minor">
+            </a:solidFill>
+            <a:tailEnd w="med" len="med"/>
+          </a:ln>
+        </p:spPr>
+        <p:style>
+          <a:lnRef idx="2">
+            <a:schemeClr val="accent1"/>
+          </a:lnRef>
+          <a:fillRef idx="0">
+            <a:schemeClr val="accent1"/>
+          </a:fillRef>
+          <a:effectRef idx="1">
+            <a:schemeClr val="accent1"/>
+          </a:effectRef>
+          <a:fontRef idx="minor">
+            <a:schemeClr val="tx1"/>
+          </a:fontRef>
+        </p:style>
+      </p:cxnSp>
+      <p:cxnSp>
+        <p:nvCxnSpPr>
+          <p:cNvPr id="62" name="Straight Connector 61">
+            <a:extLst>
+              <a:ext uri="{FF2B5EF4-FFF2-40B4-BE49-F238E27FC236}">
+                <a16:creationId xmlns:a16="http://schemas.microsoft.com/office/drawing/2014/main" id="{C85D1EDA-715B-3854-40DA-C5A3EE47F6A2}"/>
+              </a:ext>
+            </a:extLst>
+          </p:cNvPr>
+          <p:cNvCxnSpPr>
+            <a:cxnSpLocks/>
+          </p:cNvCxnSpPr>
+          <p:nvPr/>
+        </p:nvCxnSpPr>
+        <p:spPr>
+          <a:xfrm>
+            <a:off x="579617" y="2740031"/>
+            <a:ext cx="6543744" cy="0"/>
+          </a:xfrm>
+          <a:prstGeom prst="line">
+            <a:avLst/>
+          </a:prstGeom>
+          <a:ln w="28575">
+            <a:solidFill>
               <a:schemeClr val="tx1"/>
-            </a:fontRef>
-          </p:style>
-        </p:cxnSp>
-        <p:cxnSp>
-          <p:nvCxnSpPr>
-            <p:cNvPr id="1027" name="Straight Arrow Connector 1026">
-              <a:extLst>
-                <a:ext uri="{FF2B5EF4-FFF2-40B4-BE49-F238E27FC236}">
-                  <a16:creationId xmlns:a16="http://schemas.microsoft.com/office/drawing/2014/main" id="{4E9A0B86-9DF7-CB79-658E-678E7F8BC48D}"/>
-                </a:ext>
-              </a:extLst>
-            </p:cNvPr>
-            <p:cNvCxnSpPr>
-              <a:cxnSpLocks/>
-            </p:cNvCxnSpPr>
-            <p:nvPr/>
-          </p:nvCxnSpPr>
-          <p:spPr>
-            <a:xfrm flipV="1">
-              <a:off x="7879419" y="3600450"/>
-              <a:ext cx="0" cy="333375"/>
-            </a:xfrm>
-            <a:prstGeom prst="straightConnector1">
-              <a:avLst/>
-            </a:prstGeom>
-            <a:ln w="28575">
-              <a:solidFill>
-                <a:schemeClr val="tx1"/>
-              </a:solidFill>
-              <a:tailEnd type="triangle" w="med" len="med"/>
-            </a:ln>
-          </p:spPr>
-          <p:style>
-            <a:lnRef idx="2">
-              <a:schemeClr val="accent1"/>
-            </a:lnRef>
-            <a:fillRef idx="0">
-              <a:schemeClr val="accent1"/>
-            </a:fillRef>
-            <a:effectRef idx="1">
-              <a:schemeClr val="accent1"/>
-            </a:effectRef>
-            <a:fontRef idx="minor">
+            </a:solidFill>
+            <a:tailEnd w="med" len="med"/>
+          </a:ln>
+        </p:spPr>
+        <p:style>
+          <a:lnRef idx="2">
+            <a:schemeClr val="accent1"/>
+          </a:lnRef>
+          <a:fillRef idx="0">
+            <a:schemeClr val="accent1"/>
+          </a:fillRef>
+          <a:effectRef idx="1">
+            <a:schemeClr val="accent1"/>
+          </a:effectRef>
+          <a:fontRef idx="minor">
+            <a:schemeClr val="tx1"/>
+          </a:fontRef>
+        </p:style>
+      </p:cxnSp>
+      <p:cxnSp>
+        <p:nvCxnSpPr>
+          <p:cNvPr id="1024" name="Straight Connector 1023">
+            <a:extLst>
+              <a:ext uri="{FF2B5EF4-FFF2-40B4-BE49-F238E27FC236}">
+                <a16:creationId xmlns:a16="http://schemas.microsoft.com/office/drawing/2014/main" id="{799DCD51-3578-6207-94E1-65438D742C89}"/>
+              </a:ext>
+            </a:extLst>
+          </p:cNvPr>
+          <p:cNvCxnSpPr>
+            <a:cxnSpLocks/>
+          </p:cNvCxnSpPr>
+          <p:nvPr/>
+        </p:nvCxnSpPr>
+        <p:spPr>
+          <a:xfrm>
+            <a:off x="3856252" y="2549531"/>
+            <a:ext cx="0" cy="190500"/>
+          </a:xfrm>
+          <a:prstGeom prst="line">
+            <a:avLst/>
+          </a:prstGeom>
+          <a:ln w="28575">
+            <a:solidFill>
               <a:schemeClr val="tx1"/>
-            </a:fontRef>
-          </p:style>
-        </p:cxnSp>
-        <p:cxnSp>
-          <p:nvCxnSpPr>
-            <p:cNvPr id="1031" name="Straight Arrow Connector 1030">
-              <a:extLst>
-                <a:ext uri="{FF2B5EF4-FFF2-40B4-BE49-F238E27FC236}">
-                  <a16:creationId xmlns:a16="http://schemas.microsoft.com/office/drawing/2014/main" id="{AFA7147B-1BCD-496E-7280-2DBF6ED1B25A}"/>
-                </a:ext>
-              </a:extLst>
-            </p:cNvPr>
-            <p:cNvCxnSpPr>
-              <a:cxnSpLocks/>
-            </p:cNvCxnSpPr>
-            <p:nvPr/>
-          </p:nvCxnSpPr>
-          <p:spPr>
-            <a:xfrm flipV="1">
-              <a:off x="7879419" y="2557329"/>
-              <a:ext cx="0" cy="307416"/>
-            </a:xfrm>
-            <a:prstGeom prst="straightConnector1">
-              <a:avLst/>
-            </a:prstGeom>
-            <a:ln w="28575">
-              <a:solidFill>
-                <a:schemeClr val="tx1"/>
-              </a:solidFill>
-              <a:tailEnd type="triangle" w="med" len="med"/>
-            </a:ln>
-          </p:spPr>
-          <p:style>
-            <a:lnRef idx="2">
-              <a:schemeClr val="accent1"/>
-            </a:lnRef>
-            <a:fillRef idx="0">
-              <a:schemeClr val="accent1"/>
-            </a:fillRef>
-            <a:effectRef idx="1">
-              <a:schemeClr val="accent1"/>
-            </a:effectRef>
-            <a:fontRef idx="minor">
+            </a:solidFill>
+            <a:tailEnd w="med" len="med"/>
+          </a:ln>
+        </p:spPr>
+        <p:style>
+          <a:lnRef idx="2">
+            <a:schemeClr val="accent1"/>
+          </a:lnRef>
+          <a:fillRef idx="0">
+            <a:schemeClr val="accent1"/>
+          </a:fillRef>
+          <a:effectRef idx="1">
+            <a:schemeClr val="accent1"/>
+          </a:effectRef>
+          <a:fontRef idx="minor">
+            <a:schemeClr val="tx1"/>
+          </a:fontRef>
+        </p:style>
+      </p:cxnSp>
+      <p:cxnSp>
+        <p:nvCxnSpPr>
+          <p:cNvPr id="1027" name="Straight Arrow Connector 1026">
+            <a:extLst>
+              <a:ext uri="{FF2B5EF4-FFF2-40B4-BE49-F238E27FC236}">
+                <a16:creationId xmlns:a16="http://schemas.microsoft.com/office/drawing/2014/main" id="{4E9A0B86-9DF7-CB79-658E-678E7F8BC48D}"/>
+              </a:ext>
+            </a:extLst>
+          </p:cNvPr>
+          <p:cNvCxnSpPr>
+            <a:cxnSpLocks/>
+          </p:cNvCxnSpPr>
+          <p:nvPr/>
+        </p:nvCxnSpPr>
+        <p:spPr>
+          <a:xfrm flipV="1">
+            <a:off x="7123361" y="2406656"/>
+            <a:ext cx="0" cy="333375"/>
+          </a:xfrm>
+          <a:prstGeom prst="straightConnector1">
+            <a:avLst/>
+          </a:prstGeom>
+          <a:ln w="28575">
+            <a:solidFill>
               <a:schemeClr val="tx1"/>
-            </a:fontRef>
-          </p:style>
-        </p:cxnSp>
-        <p:cxnSp>
-          <p:nvCxnSpPr>
-            <p:cNvPr id="1033" name="Straight Connector 1032">
-              <a:extLst>
-                <a:ext uri="{FF2B5EF4-FFF2-40B4-BE49-F238E27FC236}">
-                  <a16:creationId xmlns:a16="http://schemas.microsoft.com/office/drawing/2014/main" id="{2A24C6D1-03D5-AC94-5D01-BF8CE747977C}"/>
-                </a:ext>
-              </a:extLst>
-            </p:cNvPr>
-            <p:cNvCxnSpPr>
-              <a:cxnSpLocks/>
-            </p:cNvCxnSpPr>
-            <p:nvPr/>
-          </p:nvCxnSpPr>
-          <p:spPr>
-            <a:xfrm flipH="1">
-              <a:off x="3100196" y="1333500"/>
-              <a:ext cx="4779223" cy="0"/>
-            </a:xfrm>
-            <a:prstGeom prst="line">
-              <a:avLst/>
-            </a:prstGeom>
-            <a:ln w="28575">
-              <a:solidFill>
-                <a:schemeClr val="tx1"/>
-              </a:solidFill>
-              <a:tailEnd w="med" len="med"/>
-            </a:ln>
-          </p:spPr>
-          <p:style>
-            <a:lnRef idx="2">
-              <a:schemeClr val="accent1"/>
-            </a:lnRef>
-            <a:fillRef idx="0">
-              <a:schemeClr val="accent1"/>
-            </a:fillRef>
-            <a:effectRef idx="1">
-              <a:schemeClr val="accent1"/>
-            </a:effectRef>
-            <a:fontRef idx="minor">
+            </a:solidFill>
+            <a:tailEnd type="triangle" w="med" len="med"/>
+          </a:ln>
+        </p:spPr>
+        <p:style>
+          <a:lnRef idx="2">
+            <a:schemeClr val="accent1"/>
+          </a:lnRef>
+          <a:fillRef idx="0">
+            <a:schemeClr val="accent1"/>
+          </a:fillRef>
+          <a:effectRef idx="1">
+            <a:schemeClr val="accent1"/>
+          </a:effectRef>
+          <a:fontRef idx="minor">
+            <a:schemeClr val="tx1"/>
+          </a:fontRef>
+        </p:style>
+      </p:cxnSp>
+      <p:cxnSp>
+        <p:nvCxnSpPr>
+          <p:cNvPr id="1031" name="Straight Arrow Connector 1030">
+            <a:extLst>
+              <a:ext uri="{FF2B5EF4-FFF2-40B4-BE49-F238E27FC236}">
+                <a16:creationId xmlns:a16="http://schemas.microsoft.com/office/drawing/2014/main" id="{AFA7147B-1BCD-496E-7280-2DBF6ED1B25A}"/>
+              </a:ext>
+            </a:extLst>
+          </p:cNvPr>
+          <p:cNvCxnSpPr>
+            <a:cxnSpLocks/>
+          </p:cNvCxnSpPr>
+          <p:nvPr/>
+        </p:nvCxnSpPr>
+        <p:spPr>
+          <a:xfrm flipV="1">
+            <a:off x="7123361" y="1363535"/>
+            <a:ext cx="0" cy="307416"/>
+          </a:xfrm>
+          <a:prstGeom prst="straightConnector1">
+            <a:avLst/>
+          </a:prstGeom>
+          <a:ln w="28575">
+            <a:solidFill>
               <a:schemeClr val="tx1"/>
-            </a:fontRef>
-          </p:style>
-        </p:cxnSp>
-        <p:cxnSp>
-          <p:nvCxnSpPr>
-            <p:cNvPr id="1035" name="Straight Arrow Connector 1034">
-              <a:extLst>
-                <a:ext uri="{FF2B5EF4-FFF2-40B4-BE49-F238E27FC236}">
-                  <a16:creationId xmlns:a16="http://schemas.microsoft.com/office/drawing/2014/main" id="{BDEEAE66-669B-2156-EE10-D06AB1BBCDE7}"/>
-                </a:ext>
-              </a:extLst>
-            </p:cNvPr>
-            <p:cNvCxnSpPr>
-              <a:cxnSpLocks/>
-            </p:cNvCxnSpPr>
-            <p:nvPr/>
-          </p:nvCxnSpPr>
-          <p:spPr>
-            <a:xfrm>
-              <a:off x="3100196" y="1333500"/>
-              <a:ext cx="0" cy="287114"/>
-            </a:xfrm>
-            <a:prstGeom prst="straightConnector1">
-              <a:avLst/>
-            </a:prstGeom>
-            <a:ln w="28575">
-              <a:solidFill>
-                <a:schemeClr val="tx1"/>
-              </a:solidFill>
-              <a:tailEnd type="triangle" w="med" len="med"/>
-            </a:ln>
-          </p:spPr>
-          <p:style>
-            <a:lnRef idx="2">
-              <a:schemeClr val="accent1"/>
-            </a:lnRef>
-            <a:fillRef idx="0">
-              <a:schemeClr val="accent1"/>
-            </a:fillRef>
-            <a:effectRef idx="1">
-              <a:schemeClr val="accent1"/>
-            </a:effectRef>
-            <a:fontRef idx="minor">
+            </a:solidFill>
+            <a:tailEnd type="triangle" w="med" len="med"/>
+          </a:ln>
+        </p:spPr>
+        <p:style>
+          <a:lnRef idx="2">
+            <a:schemeClr val="accent1"/>
+          </a:lnRef>
+          <a:fillRef idx="0">
+            <a:schemeClr val="accent1"/>
+          </a:fillRef>
+          <a:effectRef idx="1">
+            <a:schemeClr val="accent1"/>
+          </a:effectRef>
+          <a:fontRef idx="minor">
+            <a:schemeClr val="tx1"/>
+          </a:fontRef>
+        </p:style>
+      </p:cxnSp>
+      <p:cxnSp>
+        <p:nvCxnSpPr>
+          <p:cNvPr id="1033" name="Straight Connector 1032">
+            <a:extLst>
+              <a:ext uri="{FF2B5EF4-FFF2-40B4-BE49-F238E27FC236}">
+                <a16:creationId xmlns:a16="http://schemas.microsoft.com/office/drawing/2014/main" id="{2A24C6D1-03D5-AC94-5D01-BF8CE747977C}"/>
+              </a:ext>
+            </a:extLst>
+          </p:cNvPr>
+          <p:cNvCxnSpPr>
+            <a:cxnSpLocks/>
+          </p:cNvCxnSpPr>
+          <p:nvPr/>
+        </p:nvCxnSpPr>
+        <p:spPr>
+          <a:xfrm flipH="1">
+            <a:off x="2344138" y="139706"/>
+            <a:ext cx="4779223" cy="0"/>
+          </a:xfrm>
+          <a:prstGeom prst="line">
+            <a:avLst/>
+          </a:prstGeom>
+          <a:ln w="28575">
+            <a:solidFill>
               <a:schemeClr val="tx1"/>
-            </a:fontRef>
-          </p:style>
-        </p:cxnSp>
-        <p:cxnSp>
-          <p:nvCxnSpPr>
-            <p:cNvPr id="1037" name="Straight Connector 1036">
-              <a:extLst>
-                <a:ext uri="{FF2B5EF4-FFF2-40B4-BE49-F238E27FC236}">
-                  <a16:creationId xmlns:a16="http://schemas.microsoft.com/office/drawing/2014/main" id="{10A610A2-917A-E238-495A-3161484F13F4}"/>
-                </a:ext>
-              </a:extLst>
-            </p:cNvPr>
-            <p:cNvCxnSpPr>
-              <a:cxnSpLocks/>
-            </p:cNvCxnSpPr>
-            <p:nvPr/>
-          </p:nvCxnSpPr>
-          <p:spPr>
-            <a:xfrm flipV="1">
-              <a:off x="7879419" y="1333500"/>
-              <a:ext cx="0" cy="287114"/>
-            </a:xfrm>
-            <a:prstGeom prst="line">
-              <a:avLst/>
-            </a:prstGeom>
-            <a:ln w="28575">
-              <a:solidFill>
-                <a:schemeClr val="tx1"/>
-              </a:solidFill>
-              <a:tailEnd w="med" len="med"/>
-            </a:ln>
-          </p:spPr>
-          <p:style>
-            <a:lnRef idx="2">
-              <a:schemeClr val="accent1"/>
-            </a:lnRef>
-            <a:fillRef idx="0">
-              <a:schemeClr val="accent1"/>
-            </a:fillRef>
-            <a:effectRef idx="1">
-              <a:schemeClr val="accent1"/>
-            </a:effectRef>
-            <a:fontRef idx="minor">
+            </a:solidFill>
+            <a:tailEnd w="med" len="med"/>
+          </a:ln>
+        </p:spPr>
+        <p:style>
+          <a:lnRef idx="2">
+            <a:schemeClr val="accent1"/>
+          </a:lnRef>
+          <a:fillRef idx="0">
+            <a:schemeClr val="accent1"/>
+          </a:fillRef>
+          <a:effectRef idx="1">
+            <a:schemeClr val="accent1"/>
+          </a:effectRef>
+          <a:fontRef idx="minor">
+            <a:schemeClr val="tx1"/>
+          </a:fontRef>
+        </p:style>
+      </p:cxnSp>
+      <p:cxnSp>
+        <p:nvCxnSpPr>
+          <p:cNvPr id="1035" name="Straight Arrow Connector 1034">
+            <a:extLst>
+              <a:ext uri="{FF2B5EF4-FFF2-40B4-BE49-F238E27FC236}">
+                <a16:creationId xmlns:a16="http://schemas.microsoft.com/office/drawing/2014/main" id="{BDEEAE66-669B-2156-EE10-D06AB1BBCDE7}"/>
+              </a:ext>
+            </a:extLst>
+          </p:cNvPr>
+          <p:cNvCxnSpPr>
+            <a:cxnSpLocks/>
+          </p:cNvCxnSpPr>
+          <p:nvPr/>
+        </p:nvCxnSpPr>
+        <p:spPr>
+          <a:xfrm>
+            <a:off x="2344138" y="139706"/>
+            <a:ext cx="0" cy="287114"/>
+          </a:xfrm>
+          <a:prstGeom prst="straightConnector1">
+            <a:avLst/>
+          </a:prstGeom>
+          <a:ln w="28575">
+            <a:solidFill>
               <a:schemeClr val="tx1"/>
-            </a:fontRef>
-          </p:style>
-        </p:cxnSp>
-        <p:sp>
-          <p:nvSpPr>
-            <p:cNvPr id="1049" name="TextBox 1048">
-              <a:extLst>
-                <a:ext uri="{FF2B5EF4-FFF2-40B4-BE49-F238E27FC236}">
-                  <a16:creationId xmlns:a16="http://schemas.microsoft.com/office/drawing/2014/main" id="{8FB63972-7B5E-3EAD-5762-A80690AA9FDD}"/>
-                </a:ext>
-              </a:extLst>
-            </p:cNvPr>
-            <p:cNvSpPr txBox="1"/>
-            <p:nvPr/>
-          </p:nvSpPr>
-          <p:spPr>
-            <a:xfrm>
-              <a:off x="5755843" y="3084774"/>
-              <a:ext cx="814647" cy="307777"/>
-            </a:xfrm>
-            <a:prstGeom prst="rect">
-              <a:avLst/>
-            </a:prstGeom>
-            <a:noFill/>
-          </p:spPr>
-          <p:txBody>
-            <a:bodyPr wrap="none" rtlCol="0">
-              <a:spAutoFit/>
-            </a:bodyPr>
-            <a:lstStyle/>
-            <a:p>
-              <a:r>
-                <a:rPr lang="en-US" altLang="zh-CN" sz="1400" dirty="0">
-                  <a:latin typeface="Linux Libertine" panose="02000503000000000000" pitchFamily="2" charset="0"/>
-                  <a:ea typeface="Linux Libertine" panose="02000503000000000000" pitchFamily="2" charset="0"/>
-                  <a:cs typeface="Linux Libertine" panose="02000503000000000000" pitchFamily="2" charset="0"/>
-                </a:rPr>
-                <a:t>Iteration</a:t>
-              </a:r>
-              <a:endParaRPr lang="zh-CN" altLang="en-US" sz="1400" dirty="0">
+            </a:solidFill>
+            <a:tailEnd type="triangle" w="med" len="med"/>
+          </a:ln>
+        </p:spPr>
+        <p:style>
+          <a:lnRef idx="2">
+            <a:schemeClr val="accent1"/>
+          </a:lnRef>
+          <a:fillRef idx="0">
+            <a:schemeClr val="accent1"/>
+          </a:fillRef>
+          <a:effectRef idx="1">
+            <a:schemeClr val="accent1"/>
+          </a:effectRef>
+          <a:fontRef idx="minor">
+            <a:schemeClr val="tx1"/>
+          </a:fontRef>
+        </p:style>
+      </p:cxnSp>
+      <p:cxnSp>
+        <p:nvCxnSpPr>
+          <p:cNvPr id="1037" name="Straight Connector 1036">
+            <a:extLst>
+              <a:ext uri="{FF2B5EF4-FFF2-40B4-BE49-F238E27FC236}">
+                <a16:creationId xmlns:a16="http://schemas.microsoft.com/office/drawing/2014/main" id="{10A610A2-917A-E238-495A-3161484F13F4}"/>
+              </a:ext>
+            </a:extLst>
+          </p:cNvPr>
+          <p:cNvCxnSpPr>
+            <a:cxnSpLocks/>
+          </p:cNvCxnSpPr>
+          <p:nvPr/>
+        </p:nvCxnSpPr>
+        <p:spPr>
+          <a:xfrm flipV="1">
+            <a:off x="7123361" y="139706"/>
+            <a:ext cx="0" cy="287114"/>
+          </a:xfrm>
+          <a:prstGeom prst="line">
+            <a:avLst/>
+          </a:prstGeom>
+          <a:ln w="28575">
+            <a:solidFill>
+              <a:schemeClr val="tx1"/>
+            </a:solidFill>
+            <a:tailEnd w="med" len="med"/>
+          </a:ln>
+        </p:spPr>
+        <p:style>
+          <a:lnRef idx="2">
+            <a:schemeClr val="accent1"/>
+          </a:lnRef>
+          <a:fillRef idx="0">
+            <a:schemeClr val="accent1"/>
+          </a:fillRef>
+          <a:effectRef idx="1">
+            <a:schemeClr val="accent1"/>
+          </a:effectRef>
+          <a:fontRef idx="minor">
+            <a:schemeClr val="tx1"/>
+          </a:fontRef>
+        </p:style>
+      </p:cxnSp>
+      <p:sp>
+        <p:nvSpPr>
+          <p:cNvPr id="1049" name="TextBox 1048">
+            <a:extLst>
+              <a:ext uri="{FF2B5EF4-FFF2-40B4-BE49-F238E27FC236}">
+                <a16:creationId xmlns:a16="http://schemas.microsoft.com/office/drawing/2014/main" id="{8FB63972-7B5E-3EAD-5762-A80690AA9FDD}"/>
+              </a:ext>
+            </a:extLst>
+          </p:cNvPr>
+          <p:cNvSpPr txBox="1"/>
+          <p:nvPr/>
+        </p:nvSpPr>
+        <p:spPr>
+          <a:xfrm>
+            <a:off x="4999785" y="1890980"/>
+            <a:ext cx="814647" cy="307777"/>
+          </a:xfrm>
+          <a:prstGeom prst="rect">
+            <a:avLst/>
+          </a:prstGeom>
+          <a:noFill/>
+        </p:spPr>
+        <p:txBody>
+          <a:bodyPr wrap="none" rtlCol="0">
+            <a:spAutoFit/>
+          </a:bodyPr>
+          <a:lstStyle/>
+          <a:p>
+            <a:r>
+              <a:rPr lang="en-US" altLang="zh-CN" sz="1400" dirty="0">
                 <a:latin typeface="Linux Libertine" panose="02000503000000000000" pitchFamily="2" charset="0"/>
+                <a:ea typeface="Linux Libertine" panose="02000503000000000000" pitchFamily="2" charset="0"/>
                 <a:cs typeface="Linux Libertine" panose="02000503000000000000" pitchFamily="2" charset="0"/>
-              </a:endParaRPr>
-            </a:p>
-          </p:txBody>
-        </p:sp>
-      </p:grpSp>
+              </a:rPr>
+              <a:t>Iteration</a:t>
+            </a:r>
+            <a:endParaRPr lang="zh-CN" altLang="en-US" sz="1400" dirty="0">
+              <a:latin typeface="Linux Libertine" panose="02000503000000000000" pitchFamily="2" charset="0"/>
+              <a:cs typeface="Linux Libertine" panose="02000503000000000000" pitchFamily="2" charset="0"/>
+            </a:endParaRPr>
+          </a:p>
+        </p:txBody>
+      </p:sp>
     </p:spTree>
     <p:extLst>
       <p:ext uri="{BB962C8B-B14F-4D97-AF65-F5344CB8AC3E}">
